--- a/最终评审.pptx
+++ b/最终评审.pptx
@@ -11,21 +11,25 @@
     <p:sldId id="259" r:id="rId6"/>
     <p:sldId id="260" r:id="rId7"/>
     <p:sldId id="261" r:id="rId8"/>
-    <p:sldId id="262" r:id="rId9"/>
-    <p:sldId id="263" r:id="rId10"/>
-    <p:sldId id="264" r:id="rId11"/>
-    <p:sldId id="265" r:id="rId12"/>
-    <p:sldId id="266" r:id="rId13"/>
-    <p:sldId id="267" r:id="rId14"/>
-    <p:sldId id="268" r:id="rId15"/>
-    <p:sldId id="269" r:id="rId16"/>
-    <p:sldId id="270" r:id="rId17"/>
-    <p:sldId id="271" r:id="rId18"/>
-    <p:sldId id="272" r:id="rId19"/>
-    <p:sldId id="273" r:id="rId20"/>
-    <p:sldId id="274" r:id="rId21"/>
-    <p:sldId id="275" r:id="rId22"/>
-    <p:sldId id="277" r:id="rId23"/>
+    <p:sldId id="279" r:id="rId9"/>
+    <p:sldId id="280" r:id="rId10"/>
+    <p:sldId id="281" r:id="rId11"/>
+    <p:sldId id="262" r:id="rId12"/>
+    <p:sldId id="263" r:id="rId13"/>
+    <p:sldId id="264" r:id="rId14"/>
+    <p:sldId id="265" r:id="rId15"/>
+    <p:sldId id="266" r:id="rId16"/>
+    <p:sldId id="267" r:id="rId17"/>
+    <p:sldId id="268" r:id="rId18"/>
+    <p:sldId id="269" r:id="rId19"/>
+    <p:sldId id="270" r:id="rId20"/>
+    <p:sldId id="271" r:id="rId21"/>
+    <p:sldId id="272" r:id="rId22"/>
+    <p:sldId id="273" r:id="rId23"/>
+    <p:sldId id="274" r:id="rId24"/>
+    <p:sldId id="275" r:id="rId25"/>
+    <p:sldId id="278" r:id="rId26"/>
+    <p:sldId id="277" r:id="rId27"/>
   </p:sldIdLst>
   <p:sldSz cx="12192000" cy="6858000"/>
   <p:notesSz cx="6858000" cy="9144000"/>
@@ -15981,7 +15985,7 @@
         </p:blipFill>
         <p:spPr>
           <a:xfrm>
-            <a:off x="10014350" y="4355577"/>
+            <a:off x="10062610" y="4681332"/>
             <a:ext cx="1377900" cy="1458673"/>
           </a:xfrm>
           <a:prstGeom prst="rect">
@@ -16002,7 +16006,7 @@
         </p:nvSpPr>
         <p:spPr>
           <a:xfrm>
-            <a:off x="1650968" y="3282004"/>
+            <a:off x="1650968" y="3272479"/>
             <a:ext cx="8890064" cy="1520811"/>
           </a:xfrm>
         </p:spPr>
@@ -16120,1348 +16124,6 @@
 </file>
 
 <file path=ppt/slides/slide10.xml><?xml version="1.0" encoding="utf-8"?>
-<p:sld xmlns:a="http://schemas.openxmlformats.org/drawingml/2006/main" xmlns:r="http://schemas.openxmlformats.org/officeDocument/2006/relationships" xmlns:p="http://schemas.openxmlformats.org/presentationml/2006/main">
-  <p:cSld>
-    <p:spTree>
-      <p:nvGrpSpPr>
-        <p:cNvPr id="1" name=""/>
-        <p:cNvGrpSpPr/>
-        <p:nvPr/>
-      </p:nvGrpSpPr>
-      <p:grpSpPr/>
-      <p:sp>
-        <p:nvSpPr>
-          <p:cNvPr id="2" name="标题 1"/>
-          <p:cNvSpPr>
-            <a:spLocks noGrp="1"/>
-          </p:cNvSpPr>
-          <p:nvPr>
-            <p:ph type="title"/>
-          </p:nvPr>
-        </p:nvSpPr>
-        <p:spPr/>
-        <p:txBody>
-          <a:bodyPr/>
-          <a:p>
-            <a:endParaRPr lang="zh-CN" altLang="en-US"/>
-          </a:p>
-        </p:txBody>
-      </p:sp>
-      <p:sp>
-        <p:nvSpPr>
-          <p:cNvPr id="3" name="内容占位符 2"/>
-          <p:cNvSpPr>
-            <a:spLocks noGrp="1"/>
-          </p:cNvSpPr>
-          <p:nvPr>
-            <p:ph idx="1"/>
-          </p:nvPr>
-        </p:nvSpPr>
-        <p:spPr/>
-        <p:txBody>
-          <a:bodyPr/>
-          <a:p>
-            <a:endParaRPr lang="zh-CN" altLang="en-US"/>
-          </a:p>
-        </p:txBody>
-      </p:sp>
-    </p:spTree>
-    <p:custDataLst>
-      <p:tags r:id="rId1"/>
-    </p:custDataLst>
-  </p:cSld>
-  <p:clrMapOvr>
-    <a:masterClrMapping/>
-  </p:clrMapOvr>
-</p:sld>
-</file>
-
-<file path=ppt/slides/slide11.xml><?xml version="1.0" encoding="utf-8"?>
-<p:sld xmlns:a="http://schemas.openxmlformats.org/drawingml/2006/main" xmlns:r="http://schemas.openxmlformats.org/officeDocument/2006/relationships" xmlns:p="http://schemas.openxmlformats.org/presentationml/2006/main">
-  <p:cSld>
-    <p:spTree>
-      <p:nvGrpSpPr>
-        <p:cNvPr id="1" name=""/>
-        <p:cNvGrpSpPr/>
-        <p:nvPr/>
-      </p:nvGrpSpPr>
-      <p:grpSpPr/>
-      <p:sp>
-        <p:nvSpPr>
-          <p:cNvPr id="2" name="标题 1"/>
-          <p:cNvSpPr>
-            <a:spLocks noGrp="1"/>
-          </p:cNvSpPr>
-          <p:nvPr>
-            <p:ph type="title"/>
-          </p:nvPr>
-        </p:nvSpPr>
-        <p:spPr/>
-        <p:txBody>
-          <a:bodyPr/>
-          <a:p>
-            <a:endParaRPr lang="zh-CN" altLang="en-US"/>
-          </a:p>
-        </p:txBody>
-      </p:sp>
-      <p:sp>
-        <p:nvSpPr>
-          <p:cNvPr id="3" name="内容占位符 2"/>
-          <p:cNvSpPr>
-            <a:spLocks noGrp="1"/>
-          </p:cNvSpPr>
-          <p:nvPr>
-            <p:ph idx="1"/>
-          </p:nvPr>
-        </p:nvSpPr>
-        <p:spPr/>
-        <p:txBody>
-          <a:bodyPr/>
-          <a:p>
-            <a:endParaRPr lang="zh-CN" altLang="en-US"/>
-          </a:p>
-        </p:txBody>
-      </p:sp>
-    </p:spTree>
-    <p:custDataLst>
-      <p:tags r:id="rId1"/>
-    </p:custDataLst>
-  </p:cSld>
-  <p:clrMapOvr>
-    <a:masterClrMapping/>
-  </p:clrMapOvr>
-</p:sld>
-</file>
-
-<file path=ppt/slides/slide12.xml><?xml version="1.0" encoding="utf-8"?>
-<p:sld xmlns:a="http://schemas.openxmlformats.org/drawingml/2006/main" xmlns:r="http://schemas.openxmlformats.org/officeDocument/2006/relationships" xmlns:p="http://schemas.openxmlformats.org/presentationml/2006/main">
-  <p:cSld>
-    <p:spTree>
-      <p:nvGrpSpPr>
-        <p:cNvPr id="1" name=""/>
-        <p:cNvGrpSpPr/>
-        <p:nvPr/>
-      </p:nvGrpSpPr>
-      <p:grpSpPr/>
-      <p:sp>
-        <p:nvSpPr>
-          <p:cNvPr id="2" name="标题 1"/>
-          <p:cNvSpPr>
-            <a:spLocks noGrp="1"/>
-          </p:cNvSpPr>
-          <p:nvPr>
-            <p:ph type="title"/>
-          </p:nvPr>
-        </p:nvSpPr>
-        <p:spPr/>
-        <p:txBody>
-          <a:bodyPr/>
-          <a:p>
-            <a:endParaRPr lang="zh-CN" altLang="en-US"/>
-          </a:p>
-        </p:txBody>
-      </p:sp>
-      <p:sp>
-        <p:nvSpPr>
-          <p:cNvPr id="3" name="内容占位符 2"/>
-          <p:cNvSpPr>
-            <a:spLocks noGrp="1"/>
-          </p:cNvSpPr>
-          <p:nvPr>
-            <p:ph idx="1"/>
-          </p:nvPr>
-        </p:nvSpPr>
-        <p:spPr/>
-        <p:txBody>
-          <a:bodyPr/>
-          <a:p>
-            <a:endParaRPr lang="zh-CN" altLang="en-US"/>
-          </a:p>
-        </p:txBody>
-      </p:sp>
-    </p:spTree>
-    <p:custDataLst>
-      <p:tags r:id="rId1"/>
-    </p:custDataLst>
-  </p:cSld>
-  <p:clrMapOvr>
-    <a:masterClrMapping/>
-  </p:clrMapOvr>
-</p:sld>
-</file>
-
-<file path=ppt/slides/slide13.xml><?xml version="1.0" encoding="utf-8"?>
-<p:sld xmlns:a="http://schemas.openxmlformats.org/drawingml/2006/main" xmlns:r="http://schemas.openxmlformats.org/officeDocument/2006/relationships" xmlns:p="http://schemas.openxmlformats.org/presentationml/2006/main">
-  <p:cSld>
-    <p:spTree>
-      <p:nvGrpSpPr>
-        <p:cNvPr id="1" name=""/>
-        <p:cNvGrpSpPr/>
-        <p:nvPr/>
-      </p:nvGrpSpPr>
-      <p:grpSpPr/>
-      <p:sp>
-        <p:nvSpPr>
-          <p:cNvPr id="2" name="标题 1"/>
-          <p:cNvSpPr>
-            <a:spLocks noGrp="1"/>
-          </p:cNvSpPr>
-          <p:nvPr>
-            <p:ph type="title"/>
-          </p:nvPr>
-        </p:nvSpPr>
-        <p:spPr/>
-        <p:txBody>
-          <a:bodyPr/>
-          <a:p>
-            <a:endParaRPr lang="zh-CN" altLang="en-US"/>
-          </a:p>
-        </p:txBody>
-      </p:sp>
-      <p:sp>
-        <p:nvSpPr>
-          <p:cNvPr id="3" name="内容占位符 2"/>
-          <p:cNvSpPr>
-            <a:spLocks noGrp="1"/>
-          </p:cNvSpPr>
-          <p:nvPr>
-            <p:ph idx="1"/>
-          </p:nvPr>
-        </p:nvSpPr>
-        <p:spPr/>
-        <p:txBody>
-          <a:bodyPr/>
-          <a:p>
-            <a:endParaRPr lang="zh-CN" altLang="en-US"/>
-          </a:p>
-        </p:txBody>
-      </p:sp>
-    </p:spTree>
-    <p:custDataLst>
-      <p:tags r:id="rId1"/>
-    </p:custDataLst>
-  </p:cSld>
-  <p:clrMapOvr>
-    <a:masterClrMapping/>
-  </p:clrMapOvr>
-</p:sld>
-</file>
-
-<file path=ppt/slides/slide14.xml><?xml version="1.0" encoding="utf-8"?>
-<p:sld xmlns:a="http://schemas.openxmlformats.org/drawingml/2006/main" xmlns:r="http://schemas.openxmlformats.org/officeDocument/2006/relationships" xmlns:p="http://schemas.openxmlformats.org/presentationml/2006/main">
-  <p:cSld>
-    <p:spTree>
-      <p:nvGrpSpPr>
-        <p:cNvPr id="1" name=""/>
-        <p:cNvGrpSpPr/>
-        <p:nvPr/>
-      </p:nvGrpSpPr>
-      <p:grpSpPr/>
-      <p:sp>
-        <p:nvSpPr>
-          <p:cNvPr id="2" name="标题 1"/>
-          <p:cNvSpPr>
-            <a:spLocks noGrp="1"/>
-          </p:cNvSpPr>
-          <p:nvPr>
-            <p:ph type="title"/>
-          </p:nvPr>
-        </p:nvSpPr>
-        <p:spPr/>
-        <p:txBody>
-          <a:bodyPr/>
-          <a:p>
-            <a:endParaRPr lang="zh-CN" altLang="en-US"/>
-          </a:p>
-        </p:txBody>
-      </p:sp>
-      <p:sp>
-        <p:nvSpPr>
-          <p:cNvPr id="3" name="内容占位符 2"/>
-          <p:cNvSpPr>
-            <a:spLocks noGrp="1"/>
-          </p:cNvSpPr>
-          <p:nvPr>
-            <p:ph idx="1"/>
-          </p:nvPr>
-        </p:nvSpPr>
-        <p:spPr/>
-        <p:txBody>
-          <a:bodyPr/>
-          <a:p>
-            <a:endParaRPr lang="zh-CN" altLang="en-US"/>
-          </a:p>
-        </p:txBody>
-      </p:sp>
-    </p:spTree>
-    <p:custDataLst>
-      <p:tags r:id="rId1"/>
-    </p:custDataLst>
-  </p:cSld>
-  <p:clrMapOvr>
-    <a:masterClrMapping/>
-  </p:clrMapOvr>
-</p:sld>
-</file>
-
-<file path=ppt/slides/slide15.xml><?xml version="1.0" encoding="utf-8"?>
-<p:sld xmlns:a="http://schemas.openxmlformats.org/drawingml/2006/main" xmlns:r="http://schemas.openxmlformats.org/officeDocument/2006/relationships" xmlns:p="http://schemas.openxmlformats.org/presentationml/2006/main">
-  <p:cSld>
-    <p:spTree>
-      <p:nvGrpSpPr>
-        <p:cNvPr id="1" name=""/>
-        <p:cNvGrpSpPr/>
-        <p:nvPr/>
-      </p:nvGrpSpPr>
-      <p:grpSpPr/>
-      <p:sp>
-        <p:nvSpPr>
-          <p:cNvPr id="2" name="标题 1"/>
-          <p:cNvSpPr>
-            <a:spLocks noGrp="1"/>
-          </p:cNvSpPr>
-          <p:nvPr>
-            <p:ph type="title"/>
-          </p:nvPr>
-        </p:nvSpPr>
-        <p:spPr/>
-        <p:txBody>
-          <a:bodyPr/>
-          <a:p>
-            <a:endParaRPr lang="zh-CN" altLang="en-US"/>
-          </a:p>
-        </p:txBody>
-      </p:sp>
-      <p:sp>
-        <p:nvSpPr>
-          <p:cNvPr id="3" name="内容占位符 2"/>
-          <p:cNvSpPr>
-            <a:spLocks noGrp="1"/>
-          </p:cNvSpPr>
-          <p:nvPr>
-            <p:ph idx="1"/>
-          </p:nvPr>
-        </p:nvSpPr>
-        <p:spPr/>
-        <p:txBody>
-          <a:bodyPr/>
-          <a:p>
-            <a:endParaRPr lang="zh-CN" altLang="en-US"/>
-          </a:p>
-        </p:txBody>
-      </p:sp>
-    </p:spTree>
-    <p:custDataLst>
-      <p:tags r:id="rId1"/>
-    </p:custDataLst>
-  </p:cSld>
-  <p:clrMapOvr>
-    <a:masterClrMapping/>
-  </p:clrMapOvr>
-</p:sld>
-</file>
-
-<file path=ppt/slides/slide16.xml><?xml version="1.0" encoding="utf-8"?>
-<p:sld xmlns:a="http://schemas.openxmlformats.org/drawingml/2006/main" xmlns:r="http://schemas.openxmlformats.org/officeDocument/2006/relationships" xmlns:p="http://schemas.openxmlformats.org/presentationml/2006/main">
-  <p:cSld>
-    <p:spTree>
-      <p:nvGrpSpPr>
-        <p:cNvPr id="1" name=""/>
-        <p:cNvGrpSpPr/>
-        <p:nvPr/>
-      </p:nvGrpSpPr>
-      <p:grpSpPr/>
-      <p:sp>
-        <p:nvSpPr>
-          <p:cNvPr id="2" name="标题 1"/>
-          <p:cNvSpPr>
-            <a:spLocks noGrp="1"/>
-          </p:cNvSpPr>
-          <p:nvPr>
-            <p:ph type="title"/>
-          </p:nvPr>
-        </p:nvSpPr>
-        <p:spPr/>
-        <p:txBody>
-          <a:bodyPr/>
-          <a:p>
-            <a:endParaRPr lang="zh-CN" altLang="en-US"/>
-          </a:p>
-        </p:txBody>
-      </p:sp>
-      <p:sp>
-        <p:nvSpPr>
-          <p:cNvPr id="3" name="内容占位符 2"/>
-          <p:cNvSpPr>
-            <a:spLocks noGrp="1"/>
-          </p:cNvSpPr>
-          <p:nvPr>
-            <p:ph idx="1"/>
-          </p:nvPr>
-        </p:nvSpPr>
-        <p:spPr/>
-        <p:txBody>
-          <a:bodyPr/>
-          <a:p>
-            <a:endParaRPr lang="zh-CN" altLang="en-US"/>
-          </a:p>
-        </p:txBody>
-      </p:sp>
-    </p:spTree>
-    <p:custDataLst>
-      <p:tags r:id="rId1"/>
-    </p:custDataLst>
-  </p:cSld>
-  <p:clrMapOvr>
-    <a:masterClrMapping/>
-  </p:clrMapOvr>
-</p:sld>
-</file>
-
-<file path=ppt/slides/slide17.xml><?xml version="1.0" encoding="utf-8"?>
-<p:sld xmlns:a="http://schemas.openxmlformats.org/drawingml/2006/main" xmlns:r="http://schemas.openxmlformats.org/officeDocument/2006/relationships" xmlns:p="http://schemas.openxmlformats.org/presentationml/2006/main">
-  <p:cSld>
-    <p:spTree>
-      <p:nvGrpSpPr>
-        <p:cNvPr id="1" name=""/>
-        <p:cNvGrpSpPr/>
-        <p:nvPr/>
-      </p:nvGrpSpPr>
-      <p:grpSpPr/>
-      <p:sp>
-        <p:nvSpPr>
-          <p:cNvPr id="2" name="标题 1"/>
-          <p:cNvSpPr>
-            <a:spLocks noGrp="1"/>
-          </p:cNvSpPr>
-          <p:nvPr>
-            <p:ph type="title"/>
-          </p:nvPr>
-        </p:nvSpPr>
-        <p:spPr/>
-        <p:txBody>
-          <a:bodyPr/>
-          <a:p>
-            <a:endParaRPr lang="zh-CN" altLang="en-US"/>
-          </a:p>
-        </p:txBody>
-      </p:sp>
-      <p:sp>
-        <p:nvSpPr>
-          <p:cNvPr id="3" name="内容占位符 2"/>
-          <p:cNvSpPr>
-            <a:spLocks noGrp="1"/>
-          </p:cNvSpPr>
-          <p:nvPr>
-            <p:ph idx="1"/>
-          </p:nvPr>
-        </p:nvSpPr>
-        <p:spPr/>
-        <p:txBody>
-          <a:bodyPr/>
-          <a:p>
-            <a:endParaRPr lang="zh-CN" altLang="en-US"/>
-          </a:p>
-        </p:txBody>
-      </p:sp>
-    </p:spTree>
-    <p:custDataLst>
-      <p:tags r:id="rId1"/>
-    </p:custDataLst>
-  </p:cSld>
-  <p:clrMapOvr>
-    <a:masterClrMapping/>
-  </p:clrMapOvr>
-</p:sld>
-</file>
-
-<file path=ppt/slides/slide18.xml><?xml version="1.0" encoding="utf-8"?>
-<p:sld xmlns:a="http://schemas.openxmlformats.org/drawingml/2006/main" xmlns:r="http://schemas.openxmlformats.org/officeDocument/2006/relationships" xmlns:p="http://schemas.openxmlformats.org/presentationml/2006/main">
-  <p:cSld>
-    <p:spTree>
-      <p:nvGrpSpPr>
-        <p:cNvPr id="1" name=""/>
-        <p:cNvGrpSpPr/>
-        <p:nvPr/>
-      </p:nvGrpSpPr>
-      <p:grpSpPr/>
-      <p:sp>
-        <p:nvSpPr>
-          <p:cNvPr id="2" name="标题 1"/>
-          <p:cNvSpPr>
-            <a:spLocks noGrp="1"/>
-          </p:cNvSpPr>
-          <p:nvPr>
-            <p:ph type="title"/>
-          </p:nvPr>
-        </p:nvSpPr>
-        <p:spPr/>
-        <p:txBody>
-          <a:bodyPr/>
-          <a:p>
-            <a:endParaRPr lang="zh-CN" altLang="en-US"/>
-          </a:p>
-        </p:txBody>
-      </p:sp>
-      <p:sp>
-        <p:nvSpPr>
-          <p:cNvPr id="3" name="内容占位符 2"/>
-          <p:cNvSpPr>
-            <a:spLocks noGrp="1"/>
-          </p:cNvSpPr>
-          <p:nvPr>
-            <p:ph idx="1"/>
-          </p:nvPr>
-        </p:nvSpPr>
-        <p:spPr/>
-        <p:txBody>
-          <a:bodyPr/>
-          <a:p>
-            <a:endParaRPr lang="zh-CN" altLang="en-US"/>
-          </a:p>
-        </p:txBody>
-      </p:sp>
-    </p:spTree>
-    <p:custDataLst>
-      <p:tags r:id="rId1"/>
-    </p:custDataLst>
-  </p:cSld>
-  <p:clrMapOvr>
-    <a:masterClrMapping/>
-  </p:clrMapOvr>
-</p:sld>
-</file>
-
-<file path=ppt/slides/slide19.xml><?xml version="1.0" encoding="utf-8"?>
-<p:sld xmlns:a="http://schemas.openxmlformats.org/drawingml/2006/main" xmlns:r="http://schemas.openxmlformats.org/officeDocument/2006/relationships" xmlns:p="http://schemas.openxmlformats.org/presentationml/2006/main">
-  <p:cSld>
-    <p:spTree>
-      <p:nvGrpSpPr>
-        <p:cNvPr id="1" name=""/>
-        <p:cNvGrpSpPr/>
-        <p:nvPr/>
-      </p:nvGrpSpPr>
-      <p:grpSpPr/>
-      <p:sp>
-        <p:nvSpPr>
-          <p:cNvPr id="2" name="标题 1"/>
-          <p:cNvSpPr>
-            <a:spLocks noGrp="1"/>
-          </p:cNvSpPr>
-          <p:nvPr>
-            <p:ph type="title"/>
-          </p:nvPr>
-        </p:nvSpPr>
-        <p:spPr/>
-        <p:txBody>
-          <a:bodyPr/>
-          <a:p>
-            <a:endParaRPr lang="zh-CN" altLang="en-US"/>
-          </a:p>
-        </p:txBody>
-      </p:sp>
-      <p:sp>
-        <p:nvSpPr>
-          <p:cNvPr id="3" name="内容占位符 2"/>
-          <p:cNvSpPr>
-            <a:spLocks noGrp="1"/>
-          </p:cNvSpPr>
-          <p:nvPr>
-            <p:ph idx="1"/>
-          </p:nvPr>
-        </p:nvSpPr>
-        <p:spPr/>
-        <p:txBody>
-          <a:bodyPr/>
-          <a:p>
-            <a:endParaRPr lang="zh-CN" altLang="en-US"/>
-          </a:p>
-        </p:txBody>
-      </p:sp>
-    </p:spTree>
-    <p:custDataLst>
-      <p:tags r:id="rId1"/>
-    </p:custDataLst>
-  </p:cSld>
-  <p:clrMapOvr>
-    <a:masterClrMapping/>
-  </p:clrMapOvr>
-</p:sld>
-</file>
-
-<file path=ppt/slides/slide2.xml><?xml version="1.0" encoding="utf-8"?>
-<p:sld xmlns:a="http://schemas.openxmlformats.org/drawingml/2006/main" xmlns:r="http://schemas.openxmlformats.org/officeDocument/2006/relationships" xmlns:p="http://schemas.openxmlformats.org/presentationml/2006/main">
-  <p:cSld>
-    <p:spTree>
-      <p:nvGrpSpPr>
-        <p:cNvPr id="1" name=""/>
-        <p:cNvGrpSpPr/>
-        <p:nvPr/>
-      </p:nvGrpSpPr>
-      <p:grpSpPr/>
-      <p:sp>
-        <p:nvSpPr>
-          <p:cNvPr id="2" name="标题 1"/>
-          <p:cNvSpPr>
-            <a:spLocks noGrp="1"/>
-          </p:cNvSpPr>
-          <p:nvPr>
-            <p:ph type="title"/>
-          </p:nvPr>
-        </p:nvSpPr>
-        <p:spPr>
-          <a:xfrm>
-            <a:off x="527007" y="386084"/>
-            <a:ext cx="10852237" cy="441964"/>
-          </a:xfrm>
-        </p:spPr>
-        <p:txBody>
-          <a:bodyPr/>
-          <a:p>
-            <a:pPr algn="ctr"/>
-            <a:r>
-              <a:rPr lang="zh-CN" altLang="en-US"/>
-              <a:t>目录（据评审表）</a:t>
-            </a:r>
-            <a:endParaRPr lang="zh-CN" altLang="en-US"/>
-          </a:p>
-        </p:txBody>
-      </p:sp>
-      <p:sp>
-        <p:nvSpPr>
-          <p:cNvPr id="3" name="内容占位符 2"/>
-          <p:cNvSpPr>
-            <a:spLocks noGrp="1"/>
-          </p:cNvSpPr>
-          <p:nvPr>
-            <p:ph idx="1"/>
-          </p:nvPr>
-        </p:nvSpPr>
-        <p:spPr>
-          <a:xfrm>
-            <a:off x="2353310" y="1048385"/>
-            <a:ext cx="4195445" cy="5388610"/>
-          </a:xfrm>
-        </p:spPr>
-        <p:txBody>
-          <a:bodyPr>
-            <a:noAutofit/>
-          </a:bodyPr>
-          <a:p>
-            <a:pPr>
-              <a:lnSpc>
-                <a:spcPct val="150000"/>
-              </a:lnSpc>
-            </a:pPr>
-            <a:r>
-              <a:rPr lang="en-US" altLang="zh-CN" sz="1900"/>
-              <a:t>1.</a:t>
-            </a:r>
-            <a:r>
-              <a:rPr sz="1900"/>
-              <a:t>程序清单</a:t>
-            </a:r>
-            <a:endParaRPr sz="1900"/>
-          </a:p>
-          <a:p>
-            <a:pPr>
-              <a:lnSpc>
-                <a:spcPct val="150000"/>
-              </a:lnSpc>
-            </a:pPr>
-            <a:r>
-              <a:rPr lang="en-US" altLang="zh-CN" sz="1900"/>
-              <a:t>2.</a:t>
-            </a:r>
-            <a:r>
-              <a:rPr sz="1900"/>
-              <a:t>小组代码规范</a:t>
-            </a:r>
-            <a:endParaRPr sz="1900"/>
-          </a:p>
-          <a:p>
-            <a:pPr>
-              <a:lnSpc>
-                <a:spcPct val="150000"/>
-              </a:lnSpc>
-            </a:pPr>
-            <a:r>
-              <a:rPr lang="en-US" altLang="zh-CN" sz="1900"/>
-              <a:t>3.</a:t>
-            </a:r>
-            <a:r>
-              <a:rPr sz="1900"/>
-              <a:t>单元测试用例</a:t>
-            </a:r>
-            <a:endParaRPr sz="1900"/>
-          </a:p>
-          <a:p>
-            <a:pPr>
-              <a:lnSpc>
-                <a:spcPct val="150000"/>
-              </a:lnSpc>
-            </a:pPr>
-            <a:r>
-              <a:rPr lang="en-US" altLang="zh-CN" sz="1900"/>
-              <a:t>4.</a:t>
-            </a:r>
-            <a:r>
-              <a:rPr sz="1900"/>
-              <a:t>测试工具</a:t>
-            </a:r>
-            <a:endParaRPr lang="en-US" altLang="zh-CN" sz="1900"/>
-          </a:p>
-          <a:p>
-            <a:pPr>
-              <a:lnSpc>
-                <a:spcPct val="150000"/>
-              </a:lnSpc>
-            </a:pPr>
-            <a:r>
-              <a:rPr lang="en-US" altLang="zh-CN" sz="1900"/>
-              <a:t>5.</a:t>
-            </a:r>
-            <a:r>
-              <a:rPr sz="1900"/>
-              <a:t>修订后的详细设计文件</a:t>
-            </a:r>
-            <a:endParaRPr sz="1900"/>
-          </a:p>
-          <a:p>
-            <a:pPr>
-              <a:lnSpc>
-                <a:spcPct val="150000"/>
-              </a:lnSpc>
-            </a:pPr>
-            <a:r>
-              <a:rPr lang="en-US" altLang="zh-CN" sz="1900"/>
-              <a:t>6.</a:t>
-            </a:r>
-            <a:r>
-              <a:rPr sz="1900"/>
-              <a:t>白盒测试原则体现</a:t>
-            </a:r>
-            <a:endParaRPr sz="1900"/>
-          </a:p>
-          <a:p>
-            <a:pPr>
-              <a:lnSpc>
-                <a:spcPct val="150000"/>
-              </a:lnSpc>
-            </a:pPr>
-            <a:r>
-              <a:rPr lang="en-US" altLang="zh-CN" sz="1900"/>
-              <a:t>7.</a:t>
-            </a:r>
-            <a:r>
-              <a:rPr sz="1900"/>
-              <a:t>版本控制服务器</a:t>
-            </a:r>
-            <a:endParaRPr sz="1900"/>
-          </a:p>
-          <a:p>
-            <a:pPr>
-              <a:lnSpc>
-                <a:spcPct val="150000"/>
-              </a:lnSpc>
-            </a:pPr>
-            <a:r>
-              <a:rPr lang="en-US" altLang="zh-CN" sz="1900"/>
-              <a:t>8.</a:t>
-            </a:r>
-            <a:r>
-              <a:rPr sz="1900"/>
-              <a:t>测试计划</a:t>
-            </a:r>
-            <a:endParaRPr sz="1900"/>
-          </a:p>
-          <a:p>
-            <a:pPr>
-              <a:lnSpc>
-                <a:spcPct val="150000"/>
-              </a:lnSpc>
-            </a:pPr>
-            <a:r>
-              <a:rPr lang="en-US" altLang="zh-CN" sz="1900"/>
-              <a:t>9.</a:t>
-            </a:r>
-            <a:r>
-              <a:rPr sz="1900"/>
-              <a:t>测试结果</a:t>
-            </a:r>
-            <a:endParaRPr sz="1900"/>
-          </a:p>
-          <a:p>
-            <a:pPr>
-              <a:lnSpc>
-                <a:spcPct val="150000"/>
-              </a:lnSpc>
-            </a:pPr>
-            <a:endParaRPr sz="1300"/>
-          </a:p>
-        </p:txBody>
-      </p:sp>
-      <p:sp>
-        <p:nvSpPr>
-          <p:cNvPr id="4" name="文本框 3"/>
-          <p:cNvSpPr txBox="1"/>
-          <p:nvPr/>
-        </p:nvSpPr>
-        <p:spPr>
-          <a:xfrm>
-            <a:off x="7218045" y="761365"/>
-            <a:ext cx="4565015" cy="6247130"/>
-          </a:xfrm>
-          <a:prstGeom prst="rect">
-            <a:avLst/>
-          </a:prstGeom>
-          <a:noFill/>
-        </p:spPr>
-        <p:txBody>
-          <a:bodyPr wrap="square" rtlCol="0">
-            <a:spAutoFit/>
-          </a:bodyPr>
-          <a:p>
-            <a:pPr fontAlgn="auto">
-              <a:lnSpc>
-                <a:spcPct val="200000"/>
-              </a:lnSpc>
-            </a:pPr>
-            <a:r>
-              <a:rPr lang="en-US" altLang="zh-CN" sz="2000">
-                <a:sym typeface="+mn-ea"/>
-              </a:rPr>
-              <a:t>10.</a:t>
-            </a:r>
-            <a:r>
-              <a:rPr sz="2000">
-                <a:sym typeface="+mn-ea"/>
-              </a:rPr>
-              <a:t>集成测试</a:t>
-            </a:r>
-            <a:endParaRPr sz="2000">
-              <a:sym typeface="+mn-ea"/>
-            </a:endParaRPr>
-          </a:p>
-          <a:p>
-            <a:pPr fontAlgn="auto">
-              <a:lnSpc>
-                <a:spcPct val="200000"/>
-              </a:lnSpc>
-            </a:pPr>
-            <a:r>
-              <a:rPr lang="en-US" altLang="zh-CN" sz="2000">
-                <a:sym typeface="+mn-ea"/>
-              </a:rPr>
-              <a:t>11.</a:t>
-            </a:r>
-            <a:r>
-              <a:rPr sz="2000">
-                <a:sym typeface="+mn-ea"/>
-              </a:rPr>
-              <a:t>系统测试</a:t>
-            </a:r>
-            <a:endParaRPr sz="2000">
-              <a:sym typeface="+mn-ea"/>
-            </a:endParaRPr>
-          </a:p>
-          <a:p>
-            <a:pPr fontAlgn="auto">
-              <a:lnSpc>
-                <a:spcPct val="200000"/>
-              </a:lnSpc>
-            </a:pPr>
-            <a:r>
-              <a:rPr lang="en-US" altLang="zh-CN" sz="2000">
-                <a:sym typeface="+mn-ea"/>
-              </a:rPr>
-              <a:t>12.</a:t>
-            </a:r>
-            <a:r>
-              <a:rPr sz="2000">
-                <a:sym typeface="+mn-ea"/>
-              </a:rPr>
-              <a:t>用户环境的测试</a:t>
-            </a:r>
-            <a:endParaRPr sz="2000">
-              <a:sym typeface="+mn-ea"/>
-            </a:endParaRPr>
-          </a:p>
-          <a:p>
-            <a:pPr fontAlgn="auto">
-              <a:lnSpc>
-                <a:spcPct val="200000"/>
-              </a:lnSpc>
-            </a:pPr>
-            <a:r>
-              <a:rPr lang="en-US" altLang="zh-CN" sz="2000">
-                <a:sym typeface="+mn-ea"/>
-              </a:rPr>
-              <a:t>13.</a:t>
-            </a:r>
-            <a:r>
-              <a:rPr sz="2000">
-                <a:sym typeface="+mn-ea"/>
-              </a:rPr>
-              <a:t>最终用户的测试</a:t>
-            </a:r>
-            <a:endParaRPr sz="2000">
-              <a:sym typeface="+mn-ea"/>
-            </a:endParaRPr>
-          </a:p>
-          <a:p>
-            <a:pPr fontAlgn="auto">
-              <a:lnSpc>
-                <a:spcPct val="200000"/>
-              </a:lnSpc>
-            </a:pPr>
-            <a:r>
-              <a:rPr lang="en-US" altLang="zh-CN" sz="2000">
-                <a:sym typeface="+mn-ea"/>
-              </a:rPr>
-              <a:t>14.</a:t>
-            </a:r>
-            <a:r>
-              <a:rPr sz="2000">
-                <a:sym typeface="+mn-ea"/>
-              </a:rPr>
-              <a:t>项目计划的修订</a:t>
-            </a:r>
-            <a:endParaRPr sz="2000">
-              <a:sym typeface="+mn-ea"/>
-            </a:endParaRPr>
-          </a:p>
-          <a:p>
-            <a:pPr fontAlgn="auto">
-              <a:lnSpc>
-                <a:spcPct val="200000"/>
-              </a:lnSpc>
-            </a:pPr>
-            <a:r>
-              <a:rPr lang="en-US" altLang="zh-CN" sz="2000">
-                <a:sym typeface="+mn-ea"/>
-              </a:rPr>
-              <a:t>15.</a:t>
-            </a:r>
-            <a:r>
-              <a:rPr sz="2000">
-                <a:sym typeface="+mn-ea"/>
-              </a:rPr>
-              <a:t>项目成果部署和运行</a:t>
-            </a:r>
-            <a:endParaRPr sz="2000">
-              <a:sym typeface="+mn-ea"/>
-            </a:endParaRPr>
-          </a:p>
-          <a:p>
-            <a:pPr fontAlgn="auto">
-              <a:lnSpc>
-                <a:spcPct val="200000"/>
-              </a:lnSpc>
-            </a:pPr>
-            <a:r>
-              <a:rPr lang="en-US" altLang="zh-CN" sz="2000">
-                <a:sym typeface="+mn-ea"/>
-              </a:rPr>
-              <a:t>16.</a:t>
-            </a:r>
-            <a:r>
-              <a:rPr sz="2000">
-                <a:sym typeface="+mn-ea"/>
-              </a:rPr>
-              <a:t>主要功能用户的认可</a:t>
-            </a:r>
-            <a:endParaRPr sz="2000">
-              <a:sym typeface="+mn-ea"/>
-            </a:endParaRPr>
-          </a:p>
-          <a:p>
-            <a:pPr fontAlgn="auto">
-              <a:lnSpc>
-                <a:spcPct val="200000"/>
-              </a:lnSpc>
-            </a:pPr>
-            <a:r>
-              <a:rPr lang="en-US" altLang="zh-CN" sz="2000">
-                <a:sym typeface="+mn-ea"/>
-              </a:rPr>
-              <a:t>17.</a:t>
-            </a:r>
-            <a:r>
-              <a:rPr sz="2000">
-                <a:sym typeface="+mn-ea"/>
-              </a:rPr>
-              <a:t>用户手册</a:t>
-            </a:r>
-            <a:endParaRPr sz="2000">
-              <a:sym typeface="+mn-ea"/>
-            </a:endParaRPr>
-          </a:p>
-          <a:p>
-            <a:pPr fontAlgn="auto">
-              <a:lnSpc>
-                <a:spcPct val="200000"/>
-              </a:lnSpc>
-            </a:pPr>
-            <a:r>
-              <a:rPr lang="en-US" altLang="zh-CN" sz="2000">
-                <a:sym typeface="+mn-ea"/>
-              </a:rPr>
-              <a:t>18.</a:t>
-            </a:r>
-            <a:r>
-              <a:rPr sz="2000">
-                <a:sym typeface="+mn-ea"/>
-              </a:rPr>
-              <a:t>项目总结</a:t>
-            </a:r>
-            <a:r>
-              <a:rPr lang="zh-CN" sz="2000">
-                <a:sym typeface="+mn-ea"/>
-              </a:rPr>
-              <a:t>及评价</a:t>
-            </a:r>
-            <a:endParaRPr sz="2000">
-              <a:sym typeface="+mn-ea"/>
-            </a:endParaRPr>
-          </a:p>
-          <a:p>
-            <a:pPr fontAlgn="auto">
-              <a:lnSpc>
-                <a:spcPct val="200000"/>
-              </a:lnSpc>
-            </a:pPr>
-            <a:endParaRPr lang="zh-CN" altLang="en-US" sz="2000"/>
-          </a:p>
-        </p:txBody>
-      </p:sp>
-    </p:spTree>
-    <p:custDataLst>
-      <p:tags r:id="rId1"/>
-    </p:custDataLst>
-  </p:cSld>
-  <p:clrMapOvr>
-    <a:masterClrMapping/>
-  </p:clrMapOvr>
-</p:sld>
-</file>
-
-<file path=ppt/slides/slide20.xml><?xml version="1.0" encoding="utf-8"?>
-<p:sld xmlns:a="http://schemas.openxmlformats.org/drawingml/2006/main" xmlns:r="http://schemas.openxmlformats.org/officeDocument/2006/relationships" xmlns:p="http://schemas.openxmlformats.org/presentationml/2006/main">
-  <p:cSld>
-    <p:spTree>
-      <p:nvGrpSpPr>
-        <p:cNvPr id="1" name=""/>
-        <p:cNvGrpSpPr/>
-        <p:nvPr/>
-      </p:nvGrpSpPr>
-      <p:grpSpPr/>
-      <p:sp>
-        <p:nvSpPr>
-          <p:cNvPr id="5" name="标题 4"/>
-          <p:cNvSpPr>
-            <a:spLocks noGrp="1"/>
-          </p:cNvSpPr>
-          <p:nvPr>
-            <p:ph type="ctrTitle"/>
-            <p:custDataLst>
-              <p:tags r:id="rId1"/>
-            </p:custDataLst>
-          </p:nvPr>
-        </p:nvSpPr>
-        <p:spPr/>
-        <p:txBody>
-          <a:bodyPr bIns="0">
-            <a:normAutofit/>
-          </a:bodyPr>
-          <a:p>
-            <a:pPr marL="0" indent="0" algn="ctr">
-              <a:lnSpc>
-                <a:spcPct val="100000"/>
-              </a:lnSpc>
-              <a:spcBef>
-                <a:spcPts val="0"/>
-              </a:spcBef>
-              <a:spcAft>
-                <a:spcPts val="0"/>
-              </a:spcAft>
-              <a:buSzPct val="100000"/>
-              <a:buNone/>
-            </a:pPr>
-            <a:r>
-              <a:rPr sz="8800" spc="720">
-                <a:solidFill>
-                  <a:schemeClr val="bg1"/>
-                </a:solidFill>
-                <a:latin typeface="Arial" panose="020B0604020202020204" pitchFamily="34" charset="0"/>
-              </a:rPr>
-              <a:t>谢谢</a:t>
-            </a:r>
-            <a:endParaRPr sz="8800" spc="720">
-              <a:solidFill>
-                <a:schemeClr val="bg1"/>
-              </a:solidFill>
-              <a:latin typeface="Arial" panose="020B0604020202020204" pitchFamily="34" charset="0"/>
-            </a:endParaRPr>
-          </a:p>
-        </p:txBody>
-      </p:sp>
-    </p:spTree>
-    <p:custDataLst>
-      <p:tags r:id="rId2"/>
-    </p:custDataLst>
-  </p:cSld>
-  <p:clrMapOvr>
-    <a:masterClrMapping/>
-  </p:clrMapOvr>
-</p:sld>
-</file>
-
-<file path=ppt/slides/slide3.xml><?xml version="1.0" encoding="utf-8"?>
-<p:sld xmlns:a="http://schemas.openxmlformats.org/drawingml/2006/main" xmlns:r="http://schemas.openxmlformats.org/officeDocument/2006/relationships" xmlns:p="http://schemas.openxmlformats.org/presentationml/2006/main">
-  <p:cSld>
-    <p:spTree>
-      <p:nvGrpSpPr>
-        <p:cNvPr id="1" name=""/>
-        <p:cNvGrpSpPr/>
-        <p:nvPr/>
-      </p:nvGrpSpPr>
-      <p:grpSpPr/>
-      <p:sp>
-        <p:nvSpPr>
-          <p:cNvPr id="2" name="标题 1"/>
-          <p:cNvSpPr>
-            <a:spLocks noGrp="1"/>
-          </p:cNvSpPr>
-          <p:nvPr>
-            <p:ph type="title"/>
-          </p:nvPr>
-        </p:nvSpPr>
-        <p:spPr/>
-        <p:txBody>
-          <a:bodyPr/>
-          <a:p>
-            <a:r>
-              <a:rPr lang="zh-CN" altLang="en-US"/>
-              <a:t>1.程序清单</a:t>
-            </a:r>
-            <a:endParaRPr lang="zh-CN" altLang="en-US"/>
-          </a:p>
-        </p:txBody>
-      </p:sp>
-      <p:sp>
-        <p:nvSpPr>
-          <p:cNvPr id="3" name="内容占位符 2"/>
-          <p:cNvSpPr>
-            <a:spLocks noGrp="1"/>
-          </p:cNvSpPr>
-          <p:nvPr>
-            <p:ph idx="1"/>
-          </p:nvPr>
-        </p:nvSpPr>
-        <p:spPr/>
-        <p:txBody>
-          <a:bodyPr/>
-          <a:p>
-            <a:endParaRPr lang="zh-CN" altLang="en-US"/>
-          </a:p>
-        </p:txBody>
-      </p:sp>
-    </p:spTree>
-    <p:custDataLst>
-      <p:tags r:id="rId1"/>
-    </p:custDataLst>
-  </p:cSld>
-  <p:clrMapOvr>
-    <a:masterClrMapping/>
-  </p:clrMapOvr>
-</p:sld>
-</file>
-
-<file path=ppt/slides/slide4.xml><?xml version="1.0" encoding="utf-8"?>
-<p:sld xmlns:a="http://schemas.openxmlformats.org/drawingml/2006/main" xmlns:r="http://schemas.openxmlformats.org/officeDocument/2006/relationships" xmlns:p="http://schemas.openxmlformats.org/presentationml/2006/main">
-  <p:cSld>
-    <p:spTree>
-      <p:nvGrpSpPr>
-        <p:cNvPr id="1" name=""/>
-        <p:cNvGrpSpPr/>
-        <p:nvPr/>
-      </p:nvGrpSpPr>
-      <p:grpSpPr/>
-      <p:sp>
-        <p:nvSpPr>
-          <p:cNvPr id="2" name="标题 1"/>
-          <p:cNvSpPr>
-            <a:spLocks noGrp="1"/>
-          </p:cNvSpPr>
-          <p:nvPr>
-            <p:ph type="title"/>
-          </p:nvPr>
-        </p:nvSpPr>
-        <p:spPr/>
-        <p:txBody>
-          <a:bodyPr/>
-          <a:p>
-            <a:r>
-              <a:rPr lang="zh-CN" altLang="en-US"/>
-              <a:t>2.小组代码规范</a:t>
-            </a:r>
-            <a:endParaRPr lang="zh-CN" altLang="en-US"/>
-          </a:p>
-        </p:txBody>
-      </p:sp>
-      <p:sp>
-        <p:nvSpPr>
-          <p:cNvPr id="3" name="内容占位符 2"/>
-          <p:cNvSpPr>
-            <a:spLocks noGrp="1"/>
-          </p:cNvSpPr>
-          <p:nvPr>
-            <p:ph idx="1"/>
-          </p:nvPr>
-        </p:nvSpPr>
-        <p:spPr/>
-        <p:txBody>
-          <a:bodyPr/>
-          <a:p>
-            <a:endParaRPr lang="zh-CN" altLang="en-US"/>
-          </a:p>
-        </p:txBody>
-      </p:sp>
-    </p:spTree>
-    <p:custDataLst>
-      <p:tags r:id="rId1"/>
-    </p:custDataLst>
-  </p:cSld>
-  <p:clrMapOvr>
-    <a:masterClrMapping/>
-  </p:clrMapOvr>
-</p:sld>
-</file>
-
-<file path=ppt/slides/slide5.xml><?xml version="1.0" encoding="utf-8"?>
-<p:sld xmlns:a="http://schemas.openxmlformats.org/drawingml/2006/main" xmlns:r="http://schemas.openxmlformats.org/officeDocument/2006/relationships" xmlns:p="http://schemas.openxmlformats.org/presentationml/2006/main">
-  <p:cSld>
-    <p:spTree>
-      <p:nvGrpSpPr>
-        <p:cNvPr id="1" name=""/>
-        <p:cNvGrpSpPr/>
-        <p:nvPr/>
-      </p:nvGrpSpPr>
-      <p:grpSpPr/>
-      <p:sp>
-        <p:nvSpPr>
-          <p:cNvPr id="2" name="标题 1"/>
-          <p:cNvSpPr>
-            <a:spLocks noGrp="1"/>
-          </p:cNvSpPr>
-          <p:nvPr>
-            <p:ph type="title"/>
-          </p:nvPr>
-        </p:nvSpPr>
-        <p:spPr/>
-        <p:txBody>
-          <a:bodyPr/>
-          <a:p>
-            <a:r>
-              <a:rPr lang="zh-CN" altLang="en-US"/>
-              <a:t>3.单元测试用例</a:t>
-            </a:r>
-            <a:endParaRPr lang="zh-CN" altLang="en-US"/>
-          </a:p>
-        </p:txBody>
-      </p:sp>
-      <p:sp>
-        <p:nvSpPr>
-          <p:cNvPr id="3" name="内容占位符 2"/>
-          <p:cNvSpPr>
-            <a:spLocks noGrp="1"/>
-          </p:cNvSpPr>
-          <p:nvPr>
-            <p:ph idx="1"/>
-          </p:nvPr>
-        </p:nvSpPr>
-        <p:spPr/>
-        <p:txBody>
-          <a:bodyPr/>
-          <a:p>
-            <a:endParaRPr lang="zh-CN" altLang="en-US"/>
-          </a:p>
-        </p:txBody>
-      </p:sp>
-    </p:spTree>
-    <p:custDataLst>
-      <p:tags r:id="rId1"/>
-    </p:custDataLst>
-  </p:cSld>
-  <p:clrMapOvr>
-    <a:masterClrMapping/>
-  </p:clrMapOvr>
-</p:sld>
-</file>
-
-<file path=ppt/slides/slide6.xml><?xml version="1.0" encoding="utf-8"?>
-<p:sld xmlns:a="http://schemas.openxmlformats.org/drawingml/2006/main" xmlns:r="http://schemas.openxmlformats.org/officeDocument/2006/relationships" xmlns:p="http://schemas.openxmlformats.org/presentationml/2006/main">
-  <p:cSld>
-    <p:spTree>
-      <p:nvGrpSpPr>
-        <p:cNvPr id="1" name=""/>
-        <p:cNvGrpSpPr/>
-        <p:nvPr/>
-      </p:nvGrpSpPr>
-      <p:grpSpPr/>
-      <p:sp>
-        <p:nvSpPr>
-          <p:cNvPr id="2" name="标题 1"/>
-          <p:cNvSpPr>
-            <a:spLocks noGrp="1"/>
-          </p:cNvSpPr>
-          <p:nvPr>
-            <p:ph type="title"/>
-          </p:nvPr>
-        </p:nvSpPr>
-        <p:spPr/>
-        <p:txBody>
-          <a:bodyPr/>
-          <a:p>
-            <a:r>
-              <a:rPr lang="zh-CN" altLang="en-US"/>
-              <a:t>4.测试工具</a:t>
-            </a:r>
-            <a:endParaRPr lang="zh-CN" altLang="en-US"/>
-          </a:p>
-        </p:txBody>
-      </p:sp>
-      <p:sp>
-        <p:nvSpPr>
-          <p:cNvPr id="3" name="内容占位符 2"/>
-          <p:cNvSpPr>
-            <a:spLocks noGrp="1"/>
-          </p:cNvSpPr>
-          <p:nvPr>
-            <p:ph idx="1"/>
-          </p:nvPr>
-        </p:nvSpPr>
-        <p:spPr/>
-        <p:txBody>
-          <a:bodyPr/>
-          <a:p>
-            <a:endParaRPr lang="zh-CN" altLang="en-US"/>
-          </a:p>
-        </p:txBody>
-      </p:sp>
-    </p:spTree>
-    <p:custDataLst>
-      <p:tags r:id="rId1"/>
-    </p:custDataLst>
-  </p:cSld>
-  <p:clrMapOvr>
-    <a:masterClrMapping/>
-  </p:clrMapOvr>
-</p:sld>
-</file>
-
-<file path=ppt/slides/slide7.xml><?xml version="1.0" encoding="utf-8"?>
 <p:sld xmlns:a="http://schemas.openxmlformats.org/drawingml/2006/main" xmlns:r="http://schemas.openxmlformats.org/officeDocument/2006/relationships" xmlns:p="http://schemas.openxmlformats.org/presentationml/2006/main">
   <p:cSld>
     <p:spTree>
@@ -17612,6 +16274,1729 @@
 </p:sld>
 </file>
 
+<file path=ppt/slides/slide11.xml><?xml version="1.0" encoding="utf-8"?>
+<p:sld xmlns:a="http://schemas.openxmlformats.org/drawingml/2006/main" xmlns:r="http://schemas.openxmlformats.org/officeDocument/2006/relationships" xmlns:p="http://schemas.openxmlformats.org/presentationml/2006/main">
+  <p:cSld>
+    <p:spTree>
+      <p:nvGrpSpPr>
+        <p:cNvPr id="1" name=""/>
+        <p:cNvGrpSpPr/>
+        <p:nvPr/>
+      </p:nvGrpSpPr>
+      <p:grpSpPr/>
+      <p:sp>
+        <p:nvSpPr>
+          <p:cNvPr id="2" name="标题 1"/>
+          <p:cNvSpPr>
+            <a:spLocks noGrp="1"/>
+          </p:cNvSpPr>
+          <p:nvPr>
+            <p:ph type="title"/>
+          </p:nvPr>
+        </p:nvSpPr>
+        <p:spPr/>
+        <p:txBody>
+          <a:bodyPr/>
+          <a:p>
+            <a:r>
+              <a:rPr lang="zh-CN" altLang="en-US"/>
+              <a:t>6.白盒测试原则体现</a:t>
+            </a:r>
+            <a:endParaRPr lang="zh-CN" altLang="en-US"/>
+          </a:p>
+        </p:txBody>
+      </p:sp>
+      <p:sp>
+        <p:nvSpPr>
+          <p:cNvPr id="3" name="内容占位符 2"/>
+          <p:cNvSpPr>
+            <a:spLocks noGrp="1"/>
+          </p:cNvSpPr>
+          <p:nvPr>
+            <p:ph idx="1"/>
+          </p:nvPr>
+        </p:nvSpPr>
+        <p:spPr/>
+        <p:txBody>
+          <a:bodyPr/>
+          <a:p>
+            <a:endParaRPr lang="zh-CN" altLang="en-US"/>
+          </a:p>
+        </p:txBody>
+      </p:sp>
+    </p:spTree>
+    <p:custDataLst>
+      <p:tags r:id="rId1"/>
+    </p:custDataLst>
+  </p:cSld>
+  <p:clrMapOvr>
+    <a:masterClrMapping/>
+  </p:clrMapOvr>
+</p:sld>
+</file>
+
+<file path=ppt/slides/slide12.xml><?xml version="1.0" encoding="utf-8"?>
+<p:sld xmlns:a="http://schemas.openxmlformats.org/drawingml/2006/main" xmlns:r="http://schemas.openxmlformats.org/officeDocument/2006/relationships" xmlns:p="http://schemas.openxmlformats.org/presentationml/2006/main">
+  <p:cSld>
+    <p:spTree>
+      <p:nvGrpSpPr>
+        <p:cNvPr id="1" name=""/>
+        <p:cNvGrpSpPr/>
+        <p:nvPr/>
+      </p:nvGrpSpPr>
+      <p:grpSpPr/>
+      <p:sp>
+        <p:nvSpPr>
+          <p:cNvPr id="2" name="标题 1"/>
+          <p:cNvSpPr>
+            <a:spLocks noGrp="1"/>
+          </p:cNvSpPr>
+          <p:nvPr>
+            <p:ph type="title"/>
+          </p:nvPr>
+        </p:nvSpPr>
+        <p:spPr/>
+        <p:txBody>
+          <a:bodyPr/>
+          <a:p>
+            <a:r>
+              <a:rPr lang="zh-CN" altLang="en-US"/>
+              <a:t>7.版本控制服务器</a:t>
+            </a:r>
+            <a:endParaRPr lang="zh-CN" altLang="en-US"/>
+          </a:p>
+        </p:txBody>
+      </p:sp>
+      <p:sp>
+        <p:nvSpPr>
+          <p:cNvPr id="3" name="内容占位符 2"/>
+          <p:cNvSpPr>
+            <a:spLocks noGrp="1"/>
+          </p:cNvSpPr>
+          <p:nvPr>
+            <p:ph idx="1"/>
+          </p:nvPr>
+        </p:nvSpPr>
+        <p:spPr/>
+        <p:txBody>
+          <a:bodyPr/>
+          <a:p>
+            <a:r>
+              <a:rPr lang="en-US" altLang="zh-CN"/>
+              <a:t>github</a:t>
+            </a:r>
+            <a:endParaRPr lang="en-US" altLang="zh-CN"/>
+          </a:p>
+        </p:txBody>
+      </p:sp>
+    </p:spTree>
+    <p:custDataLst>
+      <p:tags r:id="rId1"/>
+    </p:custDataLst>
+  </p:cSld>
+  <p:clrMapOvr>
+    <a:masterClrMapping/>
+  </p:clrMapOvr>
+</p:sld>
+</file>
+
+<file path=ppt/slides/slide13.xml><?xml version="1.0" encoding="utf-8"?>
+<p:sld xmlns:a="http://schemas.openxmlformats.org/drawingml/2006/main" xmlns:r="http://schemas.openxmlformats.org/officeDocument/2006/relationships" xmlns:p="http://schemas.openxmlformats.org/presentationml/2006/main">
+  <p:cSld>
+    <p:spTree>
+      <p:nvGrpSpPr>
+        <p:cNvPr id="1" name=""/>
+        <p:cNvGrpSpPr/>
+        <p:nvPr/>
+      </p:nvGrpSpPr>
+      <p:grpSpPr/>
+      <p:sp>
+        <p:nvSpPr>
+          <p:cNvPr id="2" name="标题 1"/>
+          <p:cNvSpPr>
+            <a:spLocks noGrp="1"/>
+          </p:cNvSpPr>
+          <p:nvPr>
+            <p:ph type="title"/>
+          </p:nvPr>
+        </p:nvSpPr>
+        <p:spPr/>
+        <p:txBody>
+          <a:bodyPr/>
+          <a:p>
+            <a:r>
+              <a:rPr lang="zh-CN" altLang="en-US"/>
+              <a:t>8.测试计划</a:t>
+            </a:r>
+            <a:endParaRPr lang="zh-CN" altLang="en-US"/>
+          </a:p>
+        </p:txBody>
+      </p:sp>
+      <p:sp>
+        <p:nvSpPr>
+          <p:cNvPr id="3" name="内容占位符 2"/>
+          <p:cNvSpPr>
+            <a:spLocks noGrp="1"/>
+          </p:cNvSpPr>
+          <p:nvPr>
+            <p:ph idx="1"/>
+          </p:nvPr>
+        </p:nvSpPr>
+        <p:spPr/>
+        <p:txBody>
+          <a:bodyPr/>
+          <a:p>
+            <a:endParaRPr lang="zh-CN" altLang="en-US"/>
+          </a:p>
+        </p:txBody>
+      </p:sp>
+    </p:spTree>
+    <p:custDataLst>
+      <p:tags r:id="rId1"/>
+    </p:custDataLst>
+  </p:cSld>
+  <p:clrMapOvr>
+    <a:masterClrMapping/>
+  </p:clrMapOvr>
+</p:sld>
+</file>
+
+<file path=ppt/slides/slide14.xml><?xml version="1.0" encoding="utf-8"?>
+<p:sld xmlns:a="http://schemas.openxmlformats.org/drawingml/2006/main" xmlns:r="http://schemas.openxmlformats.org/officeDocument/2006/relationships" xmlns:p="http://schemas.openxmlformats.org/presentationml/2006/main">
+  <p:cSld>
+    <p:spTree>
+      <p:nvGrpSpPr>
+        <p:cNvPr id="1" name=""/>
+        <p:cNvGrpSpPr/>
+        <p:nvPr/>
+      </p:nvGrpSpPr>
+      <p:grpSpPr/>
+      <p:sp>
+        <p:nvSpPr>
+          <p:cNvPr id="2" name="标题 1"/>
+          <p:cNvSpPr>
+            <a:spLocks noGrp="1"/>
+          </p:cNvSpPr>
+          <p:nvPr>
+            <p:ph type="title"/>
+          </p:nvPr>
+        </p:nvSpPr>
+        <p:spPr/>
+        <p:txBody>
+          <a:bodyPr/>
+          <a:p>
+            <a:r>
+              <a:rPr lang="zh-CN" altLang="en-US"/>
+              <a:t>9.测试结果</a:t>
+            </a:r>
+            <a:endParaRPr lang="zh-CN" altLang="en-US"/>
+          </a:p>
+        </p:txBody>
+      </p:sp>
+      <p:sp>
+        <p:nvSpPr>
+          <p:cNvPr id="3" name="内容占位符 2"/>
+          <p:cNvSpPr>
+            <a:spLocks noGrp="1"/>
+          </p:cNvSpPr>
+          <p:nvPr>
+            <p:ph idx="1"/>
+          </p:nvPr>
+        </p:nvSpPr>
+        <p:spPr/>
+        <p:txBody>
+          <a:bodyPr/>
+          <a:p>
+            <a:endParaRPr lang="zh-CN" altLang="en-US"/>
+          </a:p>
+        </p:txBody>
+      </p:sp>
+    </p:spTree>
+    <p:custDataLst>
+      <p:tags r:id="rId1"/>
+    </p:custDataLst>
+  </p:cSld>
+  <p:clrMapOvr>
+    <a:masterClrMapping/>
+  </p:clrMapOvr>
+</p:sld>
+</file>
+
+<file path=ppt/slides/slide15.xml><?xml version="1.0" encoding="utf-8"?>
+<p:sld xmlns:a="http://schemas.openxmlformats.org/drawingml/2006/main" xmlns:r="http://schemas.openxmlformats.org/officeDocument/2006/relationships" xmlns:p="http://schemas.openxmlformats.org/presentationml/2006/main">
+  <p:cSld>
+    <p:spTree>
+      <p:nvGrpSpPr>
+        <p:cNvPr id="1" name=""/>
+        <p:cNvGrpSpPr/>
+        <p:nvPr/>
+      </p:nvGrpSpPr>
+      <p:grpSpPr/>
+      <p:sp>
+        <p:nvSpPr>
+          <p:cNvPr id="2" name="标题 1"/>
+          <p:cNvSpPr>
+            <a:spLocks noGrp="1"/>
+          </p:cNvSpPr>
+          <p:nvPr>
+            <p:ph type="title"/>
+          </p:nvPr>
+        </p:nvSpPr>
+        <p:spPr/>
+        <p:txBody>
+          <a:bodyPr/>
+          <a:p>
+            <a:r>
+              <a:rPr lang="zh-CN" altLang="en-US"/>
+              <a:t>10.集成测试</a:t>
+            </a:r>
+            <a:endParaRPr lang="zh-CN" altLang="en-US"/>
+          </a:p>
+        </p:txBody>
+      </p:sp>
+      <p:sp>
+        <p:nvSpPr>
+          <p:cNvPr id="3" name="内容占位符 2"/>
+          <p:cNvSpPr>
+            <a:spLocks noGrp="1"/>
+          </p:cNvSpPr>
+          <p:nvPr>
+            <p:ph idx="1"/>
+          </p:nvPr>
+        </p:nvSpPr>
+        <p:spPr/>
+        <p:txBody>
+          <a:bodyPr/>
+          <a:p>
+            <a:endParaRPr lang="zh-CN" altLang="en-US"/>
+          </a:p>
+        </p:txBody>
+      </p:sp>
+    </p:spTree>
+    <p:custDataLst>
+      <p:tags r:id="rId1"/>
+    </p:custDataLst>
+  </p:cSld>
+  <p:clrMapOvr>
+    <a:masterClrMapping/>
+  </p:clrMapOvr>
+</p:sld>
+</file>
+
+<file path=ppt/slides/slide16.xml><?xml version="1.0" encoding="utf-8"?>
+<p:sld xmlns:a="http://schemas.openxmlformats.org/drawingml/2006/main" xmlns:r="http://schemas.openxmlformats.org/officeDocument/2006/relationships" xmlns:p="http://schemas.openxmlformats.org/presentationml/2006/main">
+  <p:cSld>
+    <p:spTree>
+      <p:nvGrpSpPr>
+        <p:cNvPr id="1" name=""/>
+        <p:cNvGrpSpPr/>
+        <p:nvPr/>
+      </p:nvGrpSpPr>
+      <p:grpSpPr/>
+      <p:sp>
+        <p:nvSpPr>
+          <p:cNvPr id="2" name="标题 1"/>
+          <p:cNvSpPr>
+            <a:spLocks noGrp="1"/>
+          </p:cNvSpPr>
+          <p:nvPr>
+            <p:ph type="title"/>
+          </p:nvPr>
+        </p:nvSpPr>
+        <p:spPr/>
+        <p:txBody>
+          <a:bodyPr/>
+          <a:p>
+            <a:endParaRPr lang="zh-CN" altLang="en-US"/>
+          </a:p>
+        </p:txBody>
+      </p:sp>
+      <p:sp>
+        <p:nvSpPr>
+          <p:cNvPr id="3" name="内容占位符 2"/>
+          <p:cNvSpPr>
+            <a:spLocks noGrp="1"/>
+          </p:cNvSpPr>
+          <p:nvPr>
+            <p:ph idx="1"/>
+          </p:nvPr>
+        </p:nvSpPr>
+        <p:spPr/>
+        <p:txBody>
+          <a:bodyPr/>
+          <a:p>
+            <a:endParaRPr lang="zh-CN" altLang="en-US"/>
+          </a:p>
+        </p:txBody>
+      </p:sp>
+    </p:spTree>
+    <p:custDataLst>
+      <p:tags r:id="rId1"/>
+    </p:custDataLst>
+  </p:cSld>
+  <p:clrMapOvr>
+    <a:masterClrMapping/>
+  </p:clrMapOvr>
+</p:sld>
+</file>
+
+<file path=ppt/slides/slide17.xml><?xml version="1.0" encoding="utf-8"?>
+<p:sld xmlns:a="http://schemas.openxmlformats.org/drawingml/2006/main" xmlns:r="http://schemas.openxmlformats.org/officeDocument/2006/relationships" xmlns:p="http://schemas.openxmlformats.org/presentationml/2006/main">
+  <p:cSld>
+    <p:spTree>
+      <p:nvGrpSpPr>
+        <p:cNvPr id="1" name=""/>
+        <p:cNvGrpSpPr/>
+        <p:nvPr/>
+      </p:nvGrpSpPr>
+      <p:grpSpPr/>
+      <p:sp>
+        <p:nvSpPr>
+          <p:cNvPr id="2" name="标题 1"/>
+          <p:cNvSpPr>
+            <a:spLocks noGrp="1"/>
+          </p:cNvSpPr>
+          <p:nvPr>
+            <p:ph type="title"/>
+          </p:nvPr>
+        </p:nvSpPr>
+        <p:spPr/>
+        <p:txBody>
+          <a:bodyPr/>
+          <a:p>
+            <a:endParaRPr lang="zh-CN" altLang="en-US"/>
+          </a:p>
+        </p:txBody>
+      </p:sp>
+      <p:sp>
+        <p:nvSpPr>
+          <p:cNvPr id="3" name="内容占位符 2"/>
+          <p:cNvSpPr>
+            <a:spLocks noGrp="1"/>
+          </p:cNvSpPr>
+          <p:nvPr>
+            <p:ph idx="1"/>
+          </p:nvPr>
+        </p:nvSpPr>
+        <p:spPr/>
+        <p:txBody>
+          <a:bodyPr/>
+          <a:p>
+            <a:endParaRPr lang="zh-CN" altLang="en-US"/>
+          </a:p>
+        </p:txBody>
+      </p:sp>
+    </p:spTree>
+    <p:custDataLst>
+      <p:tags r:id="rId1"/>
+    </p:custDataLst>
+  </p:cSld>
+  <p:clrMapOvr>
+    <a:masterClrMapping/>
+  </p:clrMapOvr>
+</p:sld>
+</file>
+
+<file path=ppt/slides/slide18.xml><?xml version="1.0" encoding="utf-8"?>
+<p:sld xmlns:a="http://schemas.openxmlformats.org/drawingml/2006/main" xmlns:r="http://schemas.openxmlformats.org/officeDocument/2006/relationships" xmlns:p="http://schemas.openxmlformats.org/presentationml/2006/main">
+  <p:cSld>
+    <p:spTree>
+      <p:nvGrpSpPr>
+        <p:cNvPr id="1" name=""/>
+        <p:cNvGrpSpPr/>
+        <p:nvPr/>
+      </p:nvGrpSpPr>
+      <p:grpSpPr/>
+      <p:sp>
+        <p:nvSpPr>
+          <p:cNvPr id="2" name="标题 1"/>
+          <p:cNvSpPr>
+            <a:spLocks noGrp="1"/>
+          </p:cNvSpPr>
+          <p:nvPr>
+            <p:ph type="title"/>
+          </p:nvPr>
+        </p:nvSpPr>
+        <p:spPr/>
+        <p:txBody>
+          <a:bodyPr/>
+          <a:p>
+            <a:endParaRPr lang="zh-CN" altLang="en-US"/>
+          </a:p>
+        </p:txBody>
+      </p:sp>
+      <p:sp>
+        <p:nvSpPr>
+          <p:cNvPr id="3" name="内容占位符 2"/>
+          <p:cNvSpPr>
+            <a:spLocks noGrp="1"/>
+          </p:cNvSpPr>
+          <p:nvPr>
+            <p:ph idx="1"/>
+          </p:nvPr>
+        </p:nvSpPr>
+        <p:spPr/>
+        <p:txBody>
+          <a:bodyPr/>
+          <a:p>
+            <a:endParaRPr lang="zh-CN" altLang="en-US"/>
+          </a:p>
+        </p:txBody>
+      </p:sp>
+    </p:spTree>
+    <p:custDataLst>
+      <p:tags r:id="rId1"/>
+    </p:custDataLst>
+  </p:cSld>
+  <p:clrMapOvr>
+    <a:masterClrMapping/>
+  </p:clrMapOvr>
+</p:sld>
+</file>
+
+<file path=ppt/slides/slide19.xml><?xml version="1.0" encoding="utf-8"?>
+<p:sld xmlns:a="http://schemas.openxmlformats.org/drawingml/2006/main" xmlns:r="http://schemas.openxmlformats.org/officeDocument/2006/relationships" xmlns:p="http://schemas.openxmlformats.org/presentationml/2006/main">
+  <p:cSld>
+    <p:spTree>
+      <p:nvGrpSpPr>
+        <p:cNvPr id="1" name=""/>
+        <p:cNvGrpSpPr/>
+        <p:nvPr/>
+      </p:nvGrpSpPr>
+      <p:grpSpPr/>
+      <p:sp>
+        <p:nvSpPr>
+          <p:cNvPr id="2" name="标题 1"/>
+          <p:cNvSpPr>
+            <a:spLocks noGrp="1"/>
+          </p:cNvSpPr>
+          <p:nvPr>
+            <p:ph type="title"/>
+          </p:nvPr>
+        </p:nvSpPr>
+        <p:spPr/>
+        <p:txBody>
+          <a:bodyPr/>
+          <a:p>
+            <a:endParaRPr lang="zh-CN" altLang="en-US"/>
+          </a:p>
+        </p:txBody>
+      </p:sp>
+      <p:sp>
+        <p:nvSpPr>
+          <p:cNvPr id="3" name="内容占位符 2"/>
+          <p:cNvSpPr>
+            <a:spLocks noGrp="1"/>
+          </p:cNvSpPr>
+          <p:nvPr>
+            <p:ph idx="1"/>
+          </p:nvPr>
+        </p:nvSpPr>
+        <p:spPr/>
+        <p:txBody>
+          <a:bodyPr/>
+          <a:p>
+            <a:endParaRPr lang="zh-CN" altLang="en-US"/>
+          </a:p>
+        </p:txBody>
+      </p:sp>
+    </p:spTree>
+    <p:custDataLst>
+      <p:tags r:id="rId1"/>
+    </p:custDataLst>
+  </p:cSld>
+  <p:clrMapOvr>
+    <a:masterClrMapping/>
+  </p:clrMapOvr>
+</p:sld>
+</file>
+
+<file path=ppt/slides/slide2.xml><?xml version="1.0" encoding="utf-8"?>
+<p:sld xmlns:a="http://schemas.openxmlformats.org/drawingml/2006/main" xmlns:r="http://schemas.openxmlformats.org/officeDocument/2006/relationships" xmlns:p="http://schemas.openxmlformats.org/presentationml/2006/main">
+  <p:cSld>
+    <p:spTree>
+      <p:nvGrpSpPr>
+        <p:cNvPr id="1" name=""/>
+        <p:cNvGrpSpPr/>
+        <p:nvPr/>
+      </p:nvGrpSpPr>
+      <p:grpSpPr/>
+      <p:sp>
+        <p:nvSpPr>
+          <p:cNvPr id="2" name="标题 1"/>
+          <p:cNvSpPr>
+            <a:spLocks noGrp="1"/>
+          </p:cNvSpPr>
+          <p:nvPr>
+            <p:ph type="title"/>
+          </p:nvPr>
+        </p:nvSpPr>
+        <p:spPr>
+          <a:xfrm>
+            <a:off x="527007" y="386084"/>
+            <a:ext cx="10852237" cy="441964"/>
+          </a:xfrm>
+        </p:spPr>
+        <p:txBody>
+          <a:bodyPr/>
+          <a:p>
+            <a:pPr algn="ctr"/>
+            <a:r>
+              <a:rPr lang="zh-CN" altLang="en-US"/>
+              <a:t>目录（据评审表）</a:t>
+            </a:r>
+            <a:endParaRPr lang="zh-CN" altLang="en-US"/>
+          </a:p>
+        </p:txBody>
+      </p:sp>
+      <p:sp>
+        <p:nvSpPr>
+          <p:cNvPr id="3" name="内容占位符 2"/>
+          <p:cNvSpPr>
+            <a:spLocks noGrp="1"/>
+          </p:cNvSpPr>
+          <p:nvPr>
+            <p:ph idx="1"/>
+          </p:nvPr>
+        </p:nvSpPr>
+        <p:spPr>
+          <a:xfrm>
+            <a:off x="2075180" y="828040"/>
+            <a:ext cx="4195445" cy="5388610"/>
+          </a:xfrm>
+        </p:spPr>
+        <p:txBody>
+          <a:bodyPr>
+            <a:noAutofit/>
+          </a:bodyPr>
+          <a:p>
+            <a:pPr>
+              <a:lnSpc>
+                <a:spcPct val="150000"/>
+              </a:lnSpc>
+            </a:pPr>
+            <a:r>
+              <a:rPr lang="en-US" altLang="zh-CN" sz="1900"/>
+              <a:t>1.</a:t>
+            </a:r>
+            <a:r>
+              <a:rPr sz="1900"/>
+              <a:t>程序清单</a:t>
+            </a:r>
+            <a:endParaRPr sz="1900"/>
+          </a:p>
+          <a:p>
+            <a:pPr>
+              <a:lnSpc>
+                <a:spcPct val="150000"/>
+              </a:lnSpc>
+            </a:pPr>
+            <a:r>
+              <a:rPr lang="en-US" altLang="zh-CN" sz="1900"/>
+              <a:t>2.</a:t>
+            </a:r>
+            <a:r>
+              <a:rPr sz="1900"/>
+              <a:t>小组代码规范</a:t>
+            </a:r>
+            <a:endParaRPr sz="1900"/>
+          </a:p>
+          <a:p>
+            <a:pPr>
+              <a:lnSpc>
+                <a:spcPct val="150000"/>
+              </a:lnSpc>
+            </a:pPr>
+            <a:r>
+              <a:rPr lang="en-US" altLang="zh-CN" sz="1900"/>
+              <a:t>3.</a:t>
+            </a:r>
+            <a:r>
+              <a:rPr sz="1900"/>
+              <a:t>单元测试用例</a:t>
+            </a:r>
+            <a:endParaRPr sz="1900"/>
+          </a:p>
+          <a:p>
+            <a:pPr>
+              <a:lnSpc>
+                <a:spcPct val="150000"/>
+              </a:lnSpc>
+            </a:pPr>
+            <a:r>
+              <a:rPr lang="en-US" altLang="zh-CN" sz="1900"/>
+              <a:t>4.</a:t>
+            </a:r>
+            <a:r>
+              <a:rPr sz="1900"/>
+              <a:t>测试工具</a:t>
+            </a:r>
+            <a:endParaRPr lang="en-US" altLang="zh-CN" sz="1900"/>
+          </a:p>
+          <a:p>
+            <a:pPr>
+              <a:lnSpc>
+                <a:spcPct val="150000"/>
+              </a:lnSpc>
+            </a:pPr>
+            <a:r>
+              <a:rPr lang="en-US" altLang="zh-CN" sz="1900"/>
+              <a:t>5.</a:t>
+            </a:r>
+            <a:r>
+              <a:rPr sz="1900"/>
+              <a:t>修订后的详细设计文件</a:t>
+            </a:r>
+            <a:endParaRPr sz="1900"/>
+          </a:p>
+          <a:p>
+            <a:pPr>
+              <a:lnSpc>
+                <a:spcPct val="150000"/>
+              </a:lnSpc>
+            </a:pPr>
+            <a:r>
+              <a:rPr lang="en-US" altLang="zh-CN" sz="1900"/>
+              <a:t>6.</a:t>
+            </a:r>
+            <a:r>
+              <a:rPr sz="1900"/>
+              <a:t>白盒测试原则体现</a:t>
+            </a:r>
+            <a:endParaRPr sz="1900"/>
+          </a:p>
+          <a:p>
+            <a:pPr>
+              <a:lnSpc>
+                <a:spcPct val="150000"/>
+              </a:lnSpc>
+            </a:pPr>
+            <a:r>
+              <a:rPr lang="en-US" altLang="zh-CN" sz="1900"/>
+              <a:t>7.</a:t>
+            </a:r>
+            <a:r>
+              <a:rPr sz="1900"/>
+              <a:t>版本控制服务器</a:t>
+            </a:r>
+            <a:endParaRPr sz="1900"/>
+          </a:p>
+          <a:p>
+            <a:pPr>
+              <a:lnSpc>
+                <a:spcPct val="150000"/>
+              </a:lnSpc>
+            </a:pPr>
+            <a:r>
+              <a:rPr lang="en-US" altLang="zh-CN" sz="1900"/>
+              <a:t>8.</a:t>
+            </a:r>
+            <a:r>
+              <a:rPr sz="1900"/>
+              <a:t>测试计划</a:t>
+            </a:r>
+            <a:endParaRPr sz="1900"/>
+          </a:p>
+          <a:p>
+            <a:pPr>
+              <a:lnSpc>
+                <a:spcPct val="150000"/>
+              </a:lnSpc>
+            </a:pPr>
+            <a:r>
+              <a:rPr lang="en-US" altLang="zh-CN" sz="1900"/>
+              <a:t>9.</a:t>
+            </a:r>
+            <a:r>
+              <a:rPr sz="1900"/>
+              <a:t>测试结果</a:t>
+            </a:r>
+            <a:endParaRPr sz="1900"/>
+          </a:p>
+          <a:p>
+            <a:pPr>
+              <a:lnSpc>
+                <a:spcPct val="150000"/>
+              </a:lnSpc>
+            </a:pPr>
+            <a:r>
+              <a:rPr lang="en-US" altLang="zh-CN" sz="1900">
+                <a:sym typeface="+mn-ea"/>
+              </a:rPr>
+              <a:t>10.</a:t>
+            </a:r>
+            <a:r>
+              <a:rPr sz="1900">
+                <a:sym typeface="+mn-ea"/>
+              </a:rPr>
+              <a:t>集成测试</a:t>
+            </a:r>
+            <a:endParaRPr sz="1900">
+              <a:sym typeface="+mn-ea"/>
+            </a:endParaRPr>
+          </a:p>
+          <a:p>
+            <a:pPr>
+              <a:lnSpc>
+                <a:spcPct val="150000"/>
+              </a:lnSpc>
+            </a:pPr>
+            <a:endParaRPr sz="1900"/>
+          </a:p>
+          <a:p>
+            <a:pPr>
+              <a:lnSpc>
+                <a:spcPct val="150000"/>
+              </a:lnSpc>
+            </a:pPr>
+            <a:endParaRPr sz="1300"/>
+          </a:p>
+        </p:txBody>
+      </p:sp>
+      <p:sp>
+        <p:nvSpPr>
+          <p:cNvPr id="4" name="文本框 3"/>
+          <p:cNvSpPr txBox="1"/>
+          <p:nvPr/>
+        </p:nvSpPr>
+        <p:spPr>
+          <a:xfrm>
+            <a:off x="7084060" y="610870"/>
+            <a:ext cx="4565015" cy="6247130"/>
+          </a:xfrm>
+          <a:prstGeom prst="rect">
+            <a:avLst/>
+          </a:prstGeom>
+          <a:noFill/>
+        </p:spPr>
+        <p:txBody>
+          <a:bodyPr wrap="square" rtlCol="0">
+            <a:spAutoFit/>
+          </a:bodyPr>
+          <a:p>
+            <a:pPr fontAlgn="auto">
+              <a:lnSpc>
+                <a:spcPct val="200000"/>
+              </a:lnSpc>
+            </a:pPr>
+            <a:r>
+              <a:rPr lang="en-US" altLang="zh-CN" sz="2000">
+                <a:sym typeface="+mn-ea"/>
+              </a:rPr>
+              <a:t>11.</a:t>
+            </a:r>
+            <a:r>
+              <a:rPr sz="2000">
+                <a:sym typeface="+mn-ea"/>
+              </a:rPr>
+              <a:t>系统测试</a:t>
+            </a:r>
+            <a:endParaRPr sz="2000">
+              <a:sym typeface="+mn-ea"/>
+            </a:endParaRPr>
+          </a:p>
+          <a:p>
+            <a:pPr fontAlgn="auto">
+              <a:lnSpc>
+                <a:spcPct val="200000"/>
+              </a:lnSpc>
+            </a:pPr>
+            <a:r>
+              <a:rPr lang="en-US" altLang="zh-CN" sz="2000">
+                <a:sym typeface="+mn-ea"/>
+              </a:rPr>
+              <a:t>12.</a:t>
+            </a:r>
+            <a:r>
+              <a:rPr sz="2000">
+                <a:sym typeface="+mn-ea"/>
+              </a:rPr>
+              <a:t>用户环境的测试</a:t>
+            </a:r>
+            <a:endParaRPr sz="2000">
+              <a:sym typeface="+mn-ea"/>
+            </a:endParaRPr>
+          </a:p>
+          <a:p>
+            <a:pPr fontAlgn="auto">
+              <a:lnSpc>
+                <a:spcPct val="200000"/>
+              </a:lnSpc>
+            </a:pPr>
+            <a:r>
+              <a:rPr lang="en-US" altLang="zh-CN" sz="2000">
+                <a:sym typeface="+mn-ea"/>
+              </a:rPr>
+              <a:t>13.</a:t>
+            </a:r>
+            <a:r>
+              <a:rPr sz="2000">
+                <a:sym typeface="+mn-ea"/>
+              </a:rPr>
+              <a:t>最终用户的测试</a:t>
+            </a:r>
+            <a:endParaRPr sz="2000">
+              <a:sym typeface="+mn-ea"/>
+            </a:endParaRPr>
+          </a:p>
+          <a:p>
+            <a:pPr fontAlgn="auto">
+              <a:lnSpc>
+                <a:spcPct val="200000"/>
+              </a:lnSpc>
+            </a:pPr>
+            <a:r>
+              <a:rPr lang="en-US" altLang="zh-CN" sz="2000">
+                <a:sym typeface="+mn-ea"/>
+              </a:rPr>
+              <a:t>14.</a:t>
+            </a:r>
+            <a:r>
+              <a:rPr sz="2000">
+                <a:sym typeface="+mn-ea"/>
+              </a:rPr>
+              <a:t>项目计划的修订</a:t>
+            </a:r>
+            <a:endParaRPr sz="2000">
+              <a:sym typeface="+mn-ea"/>
+            </a:endParaRPr>
+          </a:p>
+          <a:p>
+            <a:pPr fontAlgn="auto">
+              <a:lnSpc>
+                <a:spcPct val="200000"/>
+              </a:lnSpc>
+            </a:pPr>
+            <a:r>
+              <a:rPr lang="en-US" altLang="zh-CN" sz="2000">
+                <a:sym typeface="+mn-ea"/>
+              </a:rPr>
+              <a:t>15.</a:t>
+            </a:r>
+            <a:r>
+              <a:rPr sz="2000">
+                <a:sym typeface="+mn-ea"/>
+              </a:rPr>
+              <a:t>项目成果部署和运行</a:t>
+            </a:r>
+            <a:endParaRPr sz="2000">
+              <a:sym typeface="+mn-ea"/>
+            </a:endParaRPr>
+          </a:p>
+          <a:p>
+            <a:pPr fontAlgn="auto">
+              <a:lnSpc>
+                <a:spcPct val="200000"/>
+              </a:lnSpc>
+            </a:pPr>
+            <a:r>
+              <a:rPr lang="en-US" altLang="zh-CN" sz="2000">
+                <a:sym typeface="+mn-ea"/>
+              </a:rPr>
+              <a:t>16.</a:t>
+            </a:r>
+            <a:r>
+              <a:rPr sz="2000">
+                <a:sym typeface="+mn-ea"/>
+              </a:rPr>
+              <a:t>主要功能用户的认可</a:t>
+            </a:r>
+            <a:endParaRPr sz="2000">
+              <a:sym typeface="+mn-ea"/>
+            </a:endParaRPr>
+          </a:p>
+          <a:p>
+            <a:pPr fontAlgn="auto">
+              <a:lnSpc>
+                <a:spcPct val="200000"/>
+              </a:lnSpc>
+            </a:pPr>
+            <a:r>
+              <a:rPr lang="en-US" altLang="zh-CN" sz="2000">
+                <a:sym typeface="+mn-ea"/>
+              </a:rPr>
+              <a:t>17.</a:t>
+            </a:r>
+            <a:r>
+              <a:rPr sz="2000">
+                <a:sym typeface="+mn-ea"/>
+              </a:rPr>
+              <a:t>用户手册</a:t>
+            </a:r>
+            <a:endParaRPr sz="2000">
+              <a:sym typeface="+mn-ea"/>
+            </a:endParaRPr>
+          </a:p>
+          <a:p>
+            <a:pPr fontAlgn="auto">
+              <a:lnSpc>
+                <a:spcPct val="200000"/>
+              </a:lnSpc>
+            </a:pPr>
+            <a:r>
+              <a:rPr lang="en-US" altLang="zh-CN" sz="2000">
+                <a:sym typeface="+mn-ea"/>
+              </a:rPr>
+              <a:t>18.</a:t>
+            </a:r>
+            <a:r>
+              <a:rPr sz="2000">
+                <a:sym typeface="+mn-ea"/>
+              </a:rPr>
+              <a:t>项目总结</a:t>
+            </a:r>
+            <a:r>
+              <a:rPr lang="zh-CN" sz="2000">
+                <a:sym typeface="+mn-ea"/>
+              </a:rPr>
+              <a:t>及评价</a:t>
+            </a:r>
+            <a:endParaRPr lang="zh-CN" sz="2000">
+              <a:sym typeface="+mn-ea"/>
+            </a:endParaRPr>
+          </a:p>
+          <a:p>
+            <a:pPr fontAlgn="auto">
+              <a:lnSpc>
+                <a:spcPct val="200000"/>
+              </a:lnSpc>
+            </a:pPr>
+            <a:r>
+              <a:rPr lang="en-US" altLang="zh-CN" sz="2000">
+                <a:sym typeface="+mn-ea"/>
+              </a:rPr>
+              <a:t>19.</a:t>
+            </a:r>
+            <a:r>
+              <a:rPr lang="zh-CN" altLang="en-US" sz="2000">
+                <a:sym typeface="+mn-ea"/>
+              </a:rPr>
+              <a:t>参考文献</a:t>
+            </a:r>
+            <a:endParaRPr sz="2000">
+              <a:sym typeface="+mn-ea"/>
+            </a:endParaRPr>
+          </a:p>
+          <a:p>
+            <a:pPr fontAlgn="auto">
+              <a:lnSpc>
+                <a:spcPct val="200000"/>
+              </a:lnSpc>
+            </a:pPr>
+            <a:endParaRPr lang="zh-CN" altLang="en-US" sz="2000"/>
+          </a:p>
+        </p:txBody>
+      </p:sp>
+    </p:spTree>
+    <p:custDataLst>
+      <p:tags r:id="rId1"/>
+    </p:custDataLst>
+  </p:cSld>
+  <p:clrMapOvr>
+    <a:masterClrMapping/>
+  </p:clrMapOvr>
+</p:sld>
+</file>
+
+<file path=ppt/slides/slide20.xml><?xml version="1.0" encoding="utf-8"?>
+<p:sld xmlns:a="http://schemas.openxmlformats.org/drawingml/2006/main" xmlns:r="http://schemas.openxmlformats.org/officeDocument/2006/relationships" xmlns:p="http://schemas.openxmlformats.org/presentationml/2006/main">
+  <p:cSld>
+    <p:spTree>
+      <p:nvGrpSpPr>
+        <p:cNvPr id="1" name=""/>
+        <p:cNvGrpSpPr/>
+        <p:nvPr/>
+      </p:nvGrpSpPr>
+      <p:grpSpPr/>
+      <p:sp>
+        <p:nvSpPr>
+          <p:cNvPr id="2" name="标题 1"/>
+          <p:cNvSpPr>
+            <a:spLocks noGrp="1"/>
+          </p:cNvSpPr>
+          <p:nvPr>
+            <p:ph type="title"/>
+          </p:nvPr>
+        </p:nvSpPr>
+        <p:spPr/>
+        <p:txBody>
+          <a:bodyPr/>
+          <a:p>
+            <a:endParaRPr lang="zh-CN" altLang="en-US"/>
+          </a:p>
+        </p:txBody>
+      </p:sp>
+      <p:sp>
+        <p:nvSpPr>
+          <p:cNvPr id="3" name="内容占位符 2"/>
+          <p:cNvSpPr>
+            <a:spLocks noGrp="1"/>
+          </p:cNvSpPr>
+          <p:nvPr>
+            <p:ph idx="1"/>
+          </p:nvPr>
+        </p:nvSpPr>
+        <p:spPr/>
+        <p:txBody>
+          <a:bodyPr/>
+          <a:p>
+            <a:endParaRPr lang="zh-CN" altLang="en-US"/>
+          </a:p>
+        </p:txBody>
+      </p:sp>
+    </p:spTree>
+    <p:custDataLst>
+      <p:tags r:id="rId1"/>
+    </p:custDataLst>
+  </p:cSld>
+  <p:clrMapOvr>
+    <a:masterClrMapping/>
+  </p:clrMapOvr>
+</p:sld>
+</file>
+
+<file path=ppt/slides/slide21.xml><?xml version="1.0" encoding="utf-8"?>
+<p:sld xmlns:a="http://schemas.openxmlformats.org/drawingml/2006/main" xmlns:r="http://schemas.openxmlformats.org/officeDocument/2006/relationships" xmlns:p="http://schemas.openxmlformats.org/presentationml/2006/main">
+  <p:cSld>
+    <p:spTree>
+      <p:nvGrpSpPr>
+        <p:cNvPr id="1" name=""/>
+        <p:cNvGrpSpPr/>
+        <p:nvPr/>
+      </p:nvGrpSpPr>
+      <p:grpSpPr/>
+      <p:sp>
+        <p:nvSpPr>
+          <p:cNvPr id="2" name="标题 1"/>
+          <p:cNvSpPr>
+            <a:spLocks noGrp="1"/>
+          </p:cNvSpPr>
+          <p:nvPr>
+            <p:ph type="title"/>
+          </p:nvPr>
+        </p:nvSpPr>
+        <p:spPr/>
+        <p:txBody>
+          <a:bodyPr/>
+          <a:p>
+            <a:endParaRPr lang="zh-CN" altLang="en-US"/>
+          </a:p>
+        </p:txBody>
+      </p:sp>
+      <p:sp>
+        <p:nvSpPr>
+          <p:cNvPr id="3" name="内容占位符 2"/>
+          <p:cNvSpPr>
+            <a:spLocks noGrp="1"/>
+          </p:cNvSpPr>
+          <p:nvPr>
+            <p:ph idx="1"/>
+          </p:nvPr>
+        </p:nvSpPr>
+        <p:spPr/>
+        <p:txBody>
+          <a:bodyPr/>
+          <a:p>
+            <a:endParaRPr lang="zh-CN" altLang="en-US"/>
+          </a:p>
+        </p:txBody>
+      </p:sp>
+    </p:spTree>
+    <p:custDataLst>
+      <p:tags r:id="rId1"/>
+    </p:custDataLst>
+  </p:cSld>
+  <p:clrMapOvr>
+    <a:masterClrMapping/>
+  </p:clrMapOvr>
+</p:sld>
+</file>
+
+<file path=ppt/slides/slide22.xml><?xml version="1.0" encoding="utf-8"?>
+<p:sld xmlns:a="http://schemas.openxmlformats.org/drawingml/2006/main" xmlns:r="http://schemas.openxmlformats.org/officeDocument/2006/relationships" xmlns:p="http://schemas.openxmlformats.org/presentationml/2006/main">
+  <p:cSld>
+    <p:spTree>
+      <p:nvGrpSpPr>
+        <p:cNvPr id="1" name=""/>
+        <p:cNvGrpSpPr/>
+        <p:nvPr/>
+      </p:nvGrpSpPr>
+      <p:grpSpPr/>
+      <p:sp>
+        <p:nvSpPr>
+          <p:cNvPr id="2" name="标题 1"/>
+          <p:cNvSpPr>
+            <a:spLocks noGrp="1"/>
+          </p:cNvSpPr>
+          <p:nvPr>
+            <p:ph type="title"/>
+          </p:nvPr>
+        </p:nvSpPr>
+        <p:spPr/>
+        <p:txBody>
+          <a:bodyPr/>
+          <a:p>
+            <a:endParaRPr lang="zh-CN" altLang="en-US"/>
+          </a:p>
+        </p:txBody>
+      </p:sp>
+      <p:sp>
+        <p:nvSpPr>
+          <p:cNvPr id="3" name="内容占位符 2"/>
+          <p:cNvSpPr>
+            <a:spLocks noGrp="1"/>
+          </p:cNvSpPr>
+          <p:nvPr>
+            <p:ph idx="1"/>
+          </p:nvPr>
+        </p:nvSpPr>
+        <p:spPr/>
+        <p:txBody>
+          <a:bodyPr/>
+          <a:p>
+            <a:endParaRPr lang="zh-CN" altLang="en-US"/>
+          </a:p>
+        </p:txBody>
+      </p:sp>
+    </p:spTree>
+    <p:custDataLst>
+      <p:tags r:id="rId1"/>
+    </p:custDataLst>
+  </p:cSld>
+  <p:clrMapOvr>
+    <a:masterClrMapping/>
+  </p:clrMapOvr>
+</p:sld>
+</file>
+
+<file path=ppt/slides/slide23.xml><?xml version="1.0" encoding="utf-8"?>
+<p:sld xmlns:a="http://schemas.openxmlformats.org/drawingml/2006/main" xmlns:r="http://schemas.openxmlformats.org/officeDocument/2006/relationships" xmlns:p="http://schemas.openxmlformats.org/presentationml/2006/main">
+  <p:cSld>
+    <p:spTree>
+      <p:nvGrpSpPr>
+        <p:cNvPr id="1" name=""/>
+        <p:cNvGrpSpPr/>
+        <p:nvPr/>
+      </p:nvGrpSpPr>
+      <p:grpSpPr/>
+      <p:sp>
+        <p:nvSpPr>
+          <p:cNvPr id="2" name="标题 1"/>
+          <p:cNvSpPr>
+            <a:spLocks noGrp="1"/>
+          </p:cNvSpPr>
+          <p:nvPr>
+            <p:ph type="title"/>
+          </p:nvPr>
+        </p:nvSpPr>
+        <p:spPr/>
+        <p:txBody>
+          <a:bodyPr/>
+          <a:p>
+            <a:r>
+              <a:rPr lang="zh-CN" altLang="en-US"/>
+              <a:t>参考文献</a:t>
+            </a:r>
+            <a:endParaRPr lang="zh-CN" altLang="en-US"/>
+          </a:p>
+        </p:txBody>
+      </p:sp>
+      <p:sp>
+        <p:nvSpPr>
+          <p:cNvPr id="3" name="内容占位符 2"/>
+          <p:cNvSpPr>
+            <a:spLocks noGrp="1"/>
+          </p:cNvSpPr>
+          <p:nvPr>
+            <p:ph idx="1"/>
+          </p:nvPr>
+        </p:nvSpPr>
+        <p:spPr/>
+        <p:txBody>
+          <a:bodyPr/>
+          <a:p>
+            <a:r>
+              <a:rPr lang="en-US" altLang="zh-CN">
+                <a:sym typeface="+mn-ea"/>
+              </a:rPr>
+              <a:t>1.</a:t>
+            </a:r>
+            <a:r>
+              <a:rPr>
+                <a:sym typeface="+mn-ea"/>
+              </a:rPr>
+              <a:t>各类文件标准</a:t>
+            </a:r>
+            <a:endParaRPr lang="en-US" altLang="zh-CN">
+              <a:sym typeface="+mn-ea"/>
+            </a:endParaRPr>
+          </a:p>
+          <a:p>
+            <a:r>
+              <a:rPr>
+                <a:sym typeface="+mn-ea"/>
+              </a:rPr>
+              <a:t>http://openstd.samr.gov.cn/bzgk/gb/newGbInfo?hcno=84C42B6277D2714B7176B10C6E6B1A44国家标准网GB8567-2006  2021/10/7</a:t>
+            </a:r>
+            <a:endParaRPr lang="zh-CN" altLang="en-US">
+              <a:solidFill>
+                <a:schemeClr val="tx1"/>
+              </a:solidFill>
+            </a:endParaRPr>
+          </a:p>
+          <a:p/>
+        </p:txBody>
+      </p:sp>
+    </p:spTree>
+    <p:custDataLst>
+      <p:tags r:id="rId1"/>
+    </p:custDataLst>
+  </p:cSld>
+  <p:clrMapOvr>
+    <a:masterClrMapping/>
+  </p:clrMapOvr>
+</p:sld>
+</file>
+
+<file path=ppt/slides/slide24.xml><?xml version="1.0" encoding="utf-8"?>
+<p:sld xmlns:a="http://schemas.openxmlformats.org/drawingml/2006/main" xmlns:r="http://schemas.openxmlformats.org/officeDocument/2006/relationships" xmlns:p="http://schemas.openxmlformats.org/presentationml/2006/main">
+  <p:cSld>
+    <p:spTree>
+      <p:nvGrpSpPr>
+        <p:cNvPr id="1" name=""/>
+        <p:cNvGrpSpPr/>
+        <p:nvPr/>
+      </p:nvGrpSpPr>
+      <p:grpSpPr/>
+      <p:sp>
+        <p:nvSpPr>
+          <p:cNvPr id="5" name="标题 4"/>
+          <p:cNvSpPr>
+            <a:spLocks noGrp="1"/>
+          </p:cNvSpPr>
+          <p:nvPr>
+            <p:ph type="ctrTitle"/>
+            <p:custDataLst>
+              <p:tags r:id="rId1"/>
+            </p:custDataLst>
+          </p:nvPr>
+        </p:nvSpPr>
+        <p:spPr/>
+        <p:txBody>
+          <a:bodyPr bIns="0">
+            <a:normAutofit/>
+          </a:bodyPr>
+          <a:p>
+            <a:pPr marL="0" indent="0" algn="ctr">
+              <a:lnSpc>
+                <a:spcPct val="100000"/>
+              </a:lnSpc>
+              <a:spcBef>
+                <a:spcPts val="0"/>
+              </a:spcBef>
+              <a:spcAft>
+                <a:spcPts val="0"/>
+              </a:spcAft>
+              <a:buSzPct val="100000"/>
+              <a:buNone/>
+            </a:pPr>
+            <a:r>
+              <a:rPr sz="8800" spc="720">
+                <a:solidFill>
+                  <a:schemeClr val="bg1"/>
+                </a:solidFill>
+                <a:latin typeface="Arial" panose="020B0604020202020204" pitchFamily="34" charset="0"/>
+              </a:rPr>
+              <a:t>谢谢</a:t>
+            </a:r>
+            <a:endParaRPr sz="8800" spc="720">
+              <a:solidFill>
+                <a:schemeClr val="bg1"/>
+              </a:solidFill>
+              <a:latin typeface="Arial" panose="020B0604020202020204" pitchFamily="34" charset="0"/>
+            </a:endParaRPr>
+          </a:p>
+        </p:txBody>
+      </p:sp>
+    </p:spTree>
+    <p:custDataLst>
+      <p:tags r:id="rId2"/>
+    </p:custDataLst>
+  </p:cSld>
+  <p:clrMapOvr>
+    <a:masterClrMapping/>
+  </p:clrMapOvr>
+</p:sld>
+</file>
+
+<file path=ppt/slides/slide3.xml><?xml version="1.0" encoding="utf-8"?>
+<p:sld xmlns:a="http://schemas.openxmlformats.org/drawingml/2006/main" xmlns:r="http://schemas.openxmlformats.org/officeDocument/2006/relationships" xmlns:p="http://schemas.openxmlformats.org/presentationml/2006/main">
+  <p:cSld>
+    <p:spTree>
+      <p:nvGrpSpPr>
+        <p:cNvPr id="1" name=""/>
+        <p:cNvGrpSpPr/>
+        <p:nvPr/>
+      </p:nvGrpSpPr>
+      <p:grpSpPr/>
+      <p:sp>
+        <p:nvSpPr>
+          <p:cNvPr id="2" name="标题 1"/>
+          <p:cNvSpPr>
+            <a:spLocks noGrp="1"/>
+          </p:cNvSpPr>
+          <p:nvPr>
+            <p:ph type="title"/>
+          </p:nvPr>
+        </p:nvSpPr>
+        <p:spPr/>
+        <p:txBody>
+          <a:bodyPr/>
+          <a:p>
+            <a:r>
+              <a:rPr lang="zh-CN" altLang="en-US"/>
+              <a:t>1.程序清单</a:t>
+            </a:r>
+            <a:endParaRPr lang="zh-CN" altLang="en-US"/>
+          </a:p>
+        </p:txBody>
+      </p:sp>
+      <p:sp>
+        <p:nvSpPr>
+          <p:cNvPr id="3" name="内容占位符 2"/>
+          <p:cNvSpPr>
+            <a:spLocks noGrp="1"/>
+          </p:cNvSpPr>
+          <p:nvPr>
+            <p:ph idx="1"/>
+          </p:nvPr>
+        </p:nvSpPr>
+        <p:spPr/>
+        <p:txBody>
+          <a:bodyPr/>
+          <a:p>
+            <a:endParaRPr lang="zh-CN" altLang="en-US"/>
+          </a:p>
+        </p:txBody>
+      </p:sp>
+    </p:spTree>
+    <p:custDataLst>
+      <p:tags r:id="rId1"/>
+    </p:custDataLst>
+  </p:cSld>
+  <p:clrMapOvr>
+    <a:masterClrMapping/>
+  </p:clrMapOvr>
+</p:sld>
+</file>
+
+<file path=ppt/slides/slide4.xml><?xml version="1.0" encoding="utf-8"?>
+<p:sld xmlns:a="http://schemas.openxmlformats.org/drawingml/2006/main" xmlns:r="http://schemas.openxmlformats.org/officeDocument/2006/relationships" xmlns:p="http://schemas.openxmlformats.org/presentationml/2006/main">
+  <p:cSld>
+    <p:spTree>
+      <p:nvGrpSpPr>
+        <p:cNvPr id="1" name=""/>
+        <p:cNvGrpSpPr/>
+        <p:nvPr/>
+      </p:nvGrpSpPr>
+      <p:grpSpPr/>
+      <p:sp>
+        <p:nvSpPr>
+          <p:cNvPr id="2" name="标题 1"/>
+          <p:cNvSpPr>
+            <a:spLocks noGrp="1"/>
+          </p:cNvSpPr>
+          <p:nvPr>
+            <p:ph type="title"/>
+          </p:nvPr>
+        </p:nvSpPr>
+        <p:spPr/>
+        <p:txBody>
+          <a:bodyPr/>
+          <a:p>
+            <a:r>
+              <a:rPr lang="zh-CN" altLang="en-US"/>
+              <a:t>2.小组代码规范</a:t>
+            </a:r>
+            <a:endParaRPr lang="zh-CN" altLang="en-US"/>
+          </a:p>
+        </p:txBody>
+      </p:sp>
+      <p:pic>
+        <p:nvPicPr>
+          <p:cNvPr id="4" name="图片 3"/>
+          <p:cNvPicPr>
+            <a:picLocks noChangeAspect="1"/>
+          </p:cNvPicPr>
+          <p:nvPr/>
+        </p:nvPicPr>
+        <p:blipFill>
+          <a:blip r:embed="rId1"/>
+          <a:stretch>
+            <a:fillRect/>
+          </a:stretch>
+        </p:blipFill>
+        <p:spPr>
+          <a:xfrm>
+            <a:off x="5947410" y="1304290"/>
+            <a:ext cx="5507355" cy="4480560"/>
+          </a:xfrm>
+          <a:prstGeom prst="rect">
+            <a:avLst/>
+          </a:prstGeom>
+        </p:spPr>
+      </p:pic>
+      <p:sp>
+        <p:nvSpPr>
+          <p:cNvPr id="6" name="文本框 5"/>
+          <p:cNvSpPr txBox="1"/>
+          <p:nvPr/>
+        </p:nvSpPr>
+        <p:spPr>
+          <a:xfrm>
+            <a:off x="6871335" y="567055"/>
+            <a:ext cx="2674620" cy="368300"/>
+          </a:xfrm>
+          <a:prstGeom prst="rect">
+            <a:avLst/>
+          </a:prstGeom>
+          <a:noFill/>
+        </p:spPr>
+        <p:txBody>
+          <a:bodyPr wrap="square" rtlCol="0">
+            <a:spAutoFit/>
+          </a:bodyPr>
+          <a:p>
+            <a:r>
+              <a:rPr lang="zh-CN" altLang="en-US"/>
+              <a:t>代码规范</a:t>
+            </a:r>
+            <a:endParaRPr lang="zh-CN" altLang="en-US"/>
+          </a:p>
+        </p:txBody>
+      </p:sp>
+      <p:sp>
+        <p:nvSpPr>
+          <p:cNvPr id="7" name="文本框 6"/>
+          <p:cNvSpPr txBox="1"/>
+          <p:nvPr/>
+        </p:nvSpPr>
+        <p:spPr>
+          <a:xfrm>
+            <a:off x="881380" y="2445385"/>
+            <a:ext cx="4025265" cy="368300"/>
+          </a:xfrm>
+          <a:prstGeom prst="rect">
+            <a:avLst/>
+          </a:prstGeom>
+          <a:noFill/>
+        </p:spPr>
+        <p:txBody>
+          <a:bodyPr wrap="square" rtlCol="0">
+            <a:spAutoFit/>
+          </a:bodyPr>
+          <a:p>
+            <a:r>
+              <a:rPr lang="zh-CN" altLang="en-US"/>
+              <a:t>代码走查</a:t>
+            </a:r>
+            <a:endParaRPr lang="zh-CN" altLang="en-US"/>
+          </a:p>
+        </p:txBody>
+      </p:sp>
+      <p:pic>
+        <p:nvPicPr>
+          <p:cNvPr id="8" name="图片 7"/>
+          <p:cNvPicPr>
+            <a:picLocks noChangeAspect="1"/>
+          </p:cNvPicPr>
+          <p:nvPr/>
+        </p:nvPicPr>
+        <p:blipFill>
+          <a:blip r:embed="rId2"/>
+          <a:srcRect t="3043"/>
+          <a:stretch>
+            <a:fillRect/>
+          </a:stretch>
+        </p:blipFill>
+        <p:spPr>
+          <a:xfrm>
+            <a:off x="391160" y="3195320"/>
+            <a:ext cx="5638800" cy="2124075"/>
+          </a:xfrm>
+          <a:prstGeom prst="rect">
+            <a:avLst/>
+          </a:prstGeom>
+        </p:spPr>
+      </p:pic>
+    </p:spTree>
+    <p:custDataLst>
+      <p:tags r:id="rId3"/>
+    </p:custDataLst>
+  </p:cSld>
+  <p:clrMapOvr>
+    <a:masterClrMapping/>
+  </p:clrMapOvr>
+</p:sld>
+</file>
+
+<file path=ppt/slides/slide5.xml><?xml version="1.0" encoding="utf-8"?>
+<p:sld xmlns:a="http://schemas.openxmlformats.org/drawingml/2006/main" xmlns:r="http://schemas.openxmlformats.org/officeDocument/2006/relationships" xmlns:p="http://schemas.openxmlformats.org/presentationml/2006/main">
+  <p:cSld>
+    <p:spTree>
+      <p:nvGrpSpPr>
+        <p:cNvPr id="1" name=""/>
+        <p:cNvGrpSpPr/>
+        <p:nvPr/>
+      </p:nvGrpSpPr>
+      <p:grpSpPr/>
+      <p:sp>
+        <p:nvSpPr>
+          <p:cNvPr id="2" name="标题 1"/>
+          <p:cNvSpPr>
+            <a:spLocks noGrp="1"/>
+          </p:cNvSpPr>
+          <p:nvPr>
+            <p:ph type="title"/>
+          </p:nvPr>
+        </p:nvSpPr>
+        <p:spPr/>
+        <p:txBody>
+          <a:bodyPr/>
+          <a:p>
+            <a:r>
+              <a:rPr lang="zh-CN" altLang="en-US"/>
+              <a:t>3.单元测试用例</a:t>
+            </a:r>
+            <a:endParaRPr lang="zh-CN" altLang="en-US"/>
+          </a:p>
+        </p:txBody>
+      </p:sp>
+    </p:spTree>
+    <p:custDataLst>
+      <p:tags r:id="rId1"/>
+    </p:custDataLst>
+  </p:cSld>
+  <p:clrMapOvr>
+    <a:masterClrMapping/>
+  </p:clrMapOvr>
+</p:sld>
+</file>
+
+<file path=ppt/slides/slide6.xml><?xml version="1.0" encoding="utf-8"?>
+<p:sld xmlns:a="http://schemas.openxmlformats.org/drawingml/2006/main" xmlns:r="http://schemas.openxmlformats.org/officeDocument/2006/relationships" xmlns:p="http://schemas.openxmlformats.org/presentationml/2006/main">
+  <p:cSld>
+    <p:spTree>
+      <p:nvGrpSpPr>
+        <p:cNvPr id="1" name=""/>
+        <p:cNvGrpSpPr/>
+        <p:nvPr/>
+      </p:nvGrpSpPr>
+      <p:grpSpPr/>
+      <p:sp>
+        <p:nvSpPr>
+          <p:cNvPr id="2" name="标题 1"/>
+          <p:cNvSpPr>
+            <a:spLocks noGrp="1"/>
+          </p:cNvSpPr>
+          <p:nvPr>
+            <p:ph type="title"/>
+          </p:nvPr>
+        </p:nvSpPr>
+        <p:spPr/>
+        <p:txBody>
+          <a:bodyPr/>
+          <a:p>
+            <a:endParaRPr lang="zh-CN" altLang="en-US"/>
+          </a:p>
+        </p:txBody>
+      </p:sp>
+      <p:sp>
+        <p:nvSpPr>
+          <p:cNvPr id="3" name="内容占位符 2"/>
+          <p:cNvSpPr>
+            <a:spLocks noGrp="1"/>
+          </p:cNvSpPr>
+          <p:nvPr>
+            <p:ph idx="1"/>
+          </p:nvPr>
+        </p:nvSpPr>
+        <p:spPr/>
+        <p:txBody>
+          <a:bodyPr/>
+          <a:p>
+            <a:endParaRPr lang="zh-CN" altLang="en-US"/>
+          </a:p>
+        </p:txBody>
+      </p:sp>
+    </p:spTree>
+    <p:custDataLst>
+      <p:tags r:id="rId1"/>
+    </p:custDataLst>
+  </p:cSld>
+  <p:clrMapOvr>
+    <a:masterClrMapping/>
+  </p:clrMapOvr>
+</p:sld>
+</file>
+
+<file path=ppt/slides/slide7.xml><?xml version="1.0" encoding="utf-8"?>
+<p:sld xmlns:a="http://schemas.openxmlformats.org/drawingml/2006/main" xmlns:r="http://schemas.openxmlformats.org/officeDocument/2006/relationships" xmlns:p="http://schemas.openxmlformats.org/presentationml/2006/main">
+  <p:cSld>
+    <p:spTree>
+      <p:nvGrpSpPr>
+        <p:cNvPr id="1" name=""/>
+        <p:cNvGrpSpPr/>
+        <p:nvPr/>
+      </p:nvGrpSpPr>
+      <p:grpSpPr/>
+      <p:sp>
+        <p:nvSpPr>
+          <p:cNvPr id="2" name="标题 1"/>
+          <p:cNvSpPr>
+            <a:spLocks noGrp="1"/>
+          </p:cNvSpPr>
+          <p:nvPr>
+            <p:ph type="title"/>
+          </p:nvPr>
+        </p:nvSpPr>
+        <p:spPr/>
+        <p:txBody>
+          <a:bodyPr/>
+          <a:p>
+            <a:endParaRPr lang="zh-CN" altLang="en-US"/>
+          </a:p>
+        </p:txBody>
+      </p:sp>
+      <p:sp>
+        <p:nvSpPr>
+          <p:cNvPr id="3" name="内容占位符 2"/>
+          <p:cNvSpPr>
+            <a:spLocks noGrp="1"/>
+          </p:cNvSpPr>
+          <p:nvPr>
+            <p:ph idx="1"/>
+          </p:nvPr>
+        </p:nvSpPr>
+        <p:spPr/>
+        <p:txBody>
+          <a:bodyPr/>
+          <a:p>
+            <a:endParaRPr lang="zh-CN" altLang="en-US"/>
+          </a:p>
+        </p:txBody>
+      </p:sp>
+    </p:spTree>
+    <p:custDataLst>
+      <p:tags r:id="rId1"/>
+    </p:custDataLst>
+  </p:cSld>
+  <p:clrMapOvr>
+    <a:masterClrMapping/>
+  </p:clrMapOvr>
+</p:sld>
+</file>
+
 <file path=ppt/slides/slide8.xml><?xml version="1.0" encoding="utf-8"?>
 <p:sld xmlns:a="http://schemas.openxmlformats.org/drawingml/2006/main" xmlns:r="http://schemas.openxmlformats.org/officeDocument/2006/relationships" xmlns:p="http://schemas.openxmlformats.org/presentationml/2006/main">
   <p:cSld>
@@ -17693,6 +18078,10 @@
         <p:txBody>
           <a:bodyPr/>
           <a:p>
+            <a:r>
+              <a:rPr lang="zh-CN" altLang="en-US"/>
+              <a:t>4.测试工具</a:t>
+            </a:r>
             <a:endParaRPr lang="zh-CN" altLang="en-US"/>
           </a:p>
         </p:txBody>
@@ -17711,7 +18100,11 @@
         <p:txBody>
           <a:bodyPr/>
           <a:p>
-            <a:endParaRPr lang="zh-CN" altLang="en-US"/>
+            <a:r>
+              <a:rPr lang="en-US" altLang="zh-CN"/>
+              <a:t>appium</a:t>
+            </a:r>
+            <a:endParaRPr lang="en-US" altLang="zh-CN"/>
           </a:p>
         </p:txBody>
       </p:sp>
@@ -20279,6 +20672,38 @@
 
 <file path=ppt/tags/tag250.xml><?xml version="1.0" encoding="utf-8"?>
 <p:tagLst xmlns:p="http://schemas.openxmlformats.org/presentationml/2006/main">
+  <p:tag name="KSO_WM_BEAUTIFY_FLAG" val="#wm#"/>
+  <p:tag name="KSO_WM_TEMPLATE_CATEGORY" val="custom"/>
+  <p:tag name="KSO_WM_TEMPLATE_INDEX" val="20200219"/>
+</p:tagLst>
+</file>
+
+<file path=ppt/tags/tag251.xml><?xml version="1.0" encoding="utf-8"?>
+<p:tagLst xmlns:p="http://schemas.openxmlformats.org/presentationml/2006/main">
+  <p:tag name="KSO_WM_BEAUTIFY_FLAG" val="#wm#"/>
+  <p:tag name="KSO_WM_TEMPLATE_CATEGORY" val="custom"/>
+  <p:tag name="KSO_WM_TEMPLATE_INDEX" val="20200219"/>
+</p:tagLst>
+</file>
+
+<file path=ppt/tags/tag252.xml><?xml version="1.0" encoding="utf-8"?>
+<p:tagLst xmlns:p="http://schemas.openxmlformats.org/presentationml/2006/main">
+  <p:tag name="KSO_WM_BEAUTIFY_FLAG" val="#wm#"/>
+  <p:tag name="KSO_WM_TEMPLATE_CATEGORY" val="custom"/>
+  <p:tag name="KSO_WM_TEMPLATE_INDEX" val="20200219"/>
+</p:tagLst>
+</file>
+
+<file path=ppt/tags/tag253.xml><?xml version="1.0" encoding="utf-8"?>
+<p:tagLst xmlns:p="http://schemas.openxmlformats.org/presentationml/2006/main">
+  <p:tag name="KSO_WM_BEAUTIFY_FLAG" val="#wm#"/>
+  <p:tag name="KSO_WM_TEMPLATE_CATEGORY" val="custom"/>
+  <p:tag name="KSO_WM_TEMPLATE_INDEX" val="20200219"/>
+</p:tagLst>
+</file>
+
+<file path=ppt/tags/tag254.xml><?xml version="1.0" encoding="utf-8"?>
+<p:tagLst xmlns:p="http://schemas.openxmlformats.org/presentationml/2006/main">
   <p:tag name="KSO_WM_UNIT_ISCONTENTSTITLE" val="0"/>
   <p:tag name="KSO_WM_UNIT_VALUE" val="5"/>
   <p:tag name="KSO_WM_UNIT_HIGHLIGHT" val="0"/>
@@ -20301,7 +20726,7 @@
 </p:tagLst>
 </file>
 
-<file path=ppt/tags/tag251.xml><?xml version="1.0" encoding="utf-8"?>
+<file path=ppt/tags/tag255.xml><?xml version="1.0" encoding="utf-8"?>
 <p:tagLst xmlns:p="http://schemas.openxmlformats.org/presentationml/2006/main">
   <p:tag name="KSO_WM_BEAUTIFY_FLAG" val="#wm#"/>
   <p:tag name="KSO_WM_TEMPLATE_CATEGORY" val="custom"/>
